--- a/Planungspräsentation/30-Bonsai-Kümmel, Alexander-Donsbach, Alexander.pptx
+++ b/Planungspräsentation/30-Bonsai-Kümmel, Alexander-Donsbach, Alexander.pptx
@@ -123,6 +123,14 @@
       </a:defRPr>
     </a:lvl9pPr>
   </p:defaultTextStyle>
+  <p:extLst>
+    <p:ext uri="{EFAFB233-063F-42B5-8137-9DF3F51BA10A}">
+      <p15:sldGuideLst xmlns:p15="http://schemas.microsoft.com/office/powerpoint/2012/main"/>
+    </p:ext>
+    <p:ext uri="{2D200454-40CA-4A62-9FC3-DE9A4176ACB9}">
+      <p15:notesGuideLst xmlns:p15="http://schemas.microsoft.com/office/powerpoint/2012/main"/>
+    </p:ext>
+  </p:extLst>
 </p:presentation>
 </file>
 
@@ -220,7 +228,7 @@
           <a:p>
             <a:fld id="{E77C7717-F373-4CDC-8617-C8EA0F419148}" type="datetimeFigureOut">
               <a:rPr lang="de-DE" smtClean="0"/>
-              <a:t>24.06.2018</a:t>
+              <a:t>03.07.2018</a:t>
             </a:fld>
             <a:endParaRPr lang="de-DE"/>
           </a:p>
@@ -397,7 +405,7 @@
           <a:p>
             <a:fld id="{990909A3-56C7-4C4C-BB7C-81800FB97F61}" type="datetimeFigureOut">
               <a:rPr lang="de-DE" smtClean="0"/>
-              <a:t>24.06.2018</a:t>
+              <a:t>03.07.2018</a:t>
             </a:fld>
             <a:endParaRPr lang="de-DE"/>
           </a:p>
@@ -1471,7 +1479,7 @@
             <a:fld id="{B61BEF0D-F0BB-DE4B-95CE-6DB70DBA9567}" type="datetimeFigureOut">
               <a:rPr lang="en-US" dirty="0"/>
               <a:pPr/>
-              <a:t>6/24/2018</a:t>
+              <a:t>7/3/2018</a:t>
             </a:fld>
             <a:endParaRPr lang="en-US" dirty="0"/>
           </a:p>
@@ -1719,7 +1727,7 @@
             <a:fld id="{B61BEF0D-F0BB-DE4B-95CE-6DB70DBA9567}" type="datetimeFigureOut">
               <a:rPr lang="en-US" dirty="0"/>
               <a:pPr/>
-              <a:t>6/24/2018</a:t>
+              <a:t>7/3/2018</a:t>
             </a:fld>
             <a:endParaRPr lang="en-US" dirty="0"/>
           </a:p>
@@ -2030,7 +2038,7 @@
             <a:fld id="{B61BEF0D-F0BB-DE4B-95CE-6DB70DBA9567}" type="datetimeFigureOut">
               <a:rPr lang="en-US" dirty="0"/>
               <a:pPr/>
-              <a:t>6/24/2018</a:t>
+              <a:t>7/3/2018</a:t>
             </a:fld>
             <a:endParaRPr lang="en-US" dirty="0"/>
           </a:p>
@@ -2368,7 +2376,7 @@
             <a:fld id="{B61BEF0D-F0BB-DE4B-95CE-6DB70DBA9567}" type="datetimeFigureOut">
               <a:rPr lang="en-US" dirty="0"/>
               <a:pPr/>
-              <a:t>6/24/2018</a:t>
+              <a:t>7/3/2018</a:t>
             </a:fld>
             <a:endParaRPr lang="en-US" dirty="0"/>
           </a:p>
@@ -2679,7 +2687,7 @@
             <a:fld id="{B61BEF0D-F0BB-DE4B-95CE-6DB70DBA9567}" type="datetimeFigureOut">
               <a:rPr lang="en-US" dirty="0"/>
               <a:pPr/>
-              <a:t>6/24/2018</a:t>
+              <a:t>7/3/2018</a:t>
             </a:fld>
             <a:endParaRPr lang="en-US" dirty="0"/>
           </a:p>
@@ -3069,7 +3077,7 @@
             <a:fld id="{B61BEF0D-F0BB-DE4B-95CE-6DB70DBA9567}" type="datetimeFigureOut">
               <a:rPr lang="en-US" dirty="0"/>
               <a:pPr/>
-              <a:t>6/24/2018</a:t>
+              <a:t>7/3/2018</a:t>
             </a:fld>
             <a:endParaRPr lang="en-US" dirty="0"/>
           </a:p>
@@ -3235,7 +3243,7 @@
           <a:p>
             <a:fld id="{55C6B4A9-1611-4792-9094-5F34BCA07E0B}" type="datetimeFigureOut">
               <a:rPr lang="en-US" dirty="0"/>
-              <a:t>6/24/2018</a:t>
+              <a:t>7/3/2018</a:t>
             </a:fld>
             <a:endParaRPr lang="en-US" dirty="0"/>
           </a:p>
@@ -3411,7 +3419,7 @@
             <a:fld id="{B61BEF0D-F0BB-DE4B-95CE-6DB70DBA9567}" type="datetimeFigureOut">
               <a:rPr lang="en-US" dirty="0"/>
               <a:pPr/>
-              <a:t>6/24/2018</a:t>
+              <a:t>7/3/2018</a:t>
             </a:fld>
             <a:endParaRPr lang="en-US" dirty="0"/>
           </a:p>
@@ -3644,7 +3652,7 @@
             <a:fld id="{B61BEF0D-F0BB-DE4B-95CE-6DB70DBA9567}" type="datetimeFigureOut">
               <a:rPr lang="en-US" dirty="0"/>
               <a:pPr/>
-              <a:t>6/24/2018</a:t>
+              <a:t>7/3/2018</a:t>
             </a:fld>
             <a:endParaRPr lang="en-US" dirty="0"/>
           </a:p>
@@ -3888,7 +3896,7 @@
             <a:fld id="{B61BEF0D-F0BB-DE4B-95CE-6DB70DBA9567}" type="datetimeFigureOut">
               <a:rPr lang="en-US" dirty="0"/>
               <a:pPr/>
-              <a:t>6/24/2018</a:t>
+              <a:t>7/3/2018</a:t>
             </a:fld>
             <a:endParaRPr lang="en-US" dirty="0"/>
           </a:p>
@@ -4116,7 +4124,7 @@
           <a:p>
             <a:fld id="{EB712588-04B1-427B-82EE-E8DB90309F08}" type="datetimeFigureOut">
               <a:rPr lang="en-US" dirty="0"/>
-              <a:t>6/24/2018</a:t>
+              <a:t>7/3/2018</a:t>
             </a:fld>
             <a:endParaRPr lang="en-US" dirty="0"/>
           </a:p>
@@ -4486,7 +4494,7 @@
             <a:fld id="{B61BEF0D-F0BB-DE4B-95CE-6DB70DBA9567}" type="datetimeFigureOut">
               <a:rPr lang="en-US" dirty="0"/>
               <a:pPr/>
-              <a:t>6/24/2018</a:t>
+              <a:t>7/3/2018</a:t>
             </a:fld>
             <a:endParaRPr lang="en-US" dirty="0"/>
           </a:p>
@@ -4606,7 +4614,7 @@
             <a:fld id="{B61BEF0D-F0BB-DE4B-95CE-6DB70DBA9567}" type="datetimeFigureOut">
               <a:rPr lang="en-US" dirty="0"/>
               <a:pPr/>
-              <a:t>6/24/2018</a:t>
+              <a:t>7/3/2018</a:t>
             </a:fld>
             <a:endParaRPr lang="en-US" dirty="0"/>
           </a:p>
@@ -4698,7 +4706,7 @@
             <a:fld id="{B61BEF0D-F0BB-DE4B-95CE-6DB70DBA9567}" type="datetimeFigureOut">
               <a:rPr lang="en-US" dirty="0"/>
               <a:pPr/>
-              <a:t>6/24/2018</a:t>
+              <a:t>7/3/2018</a:t>
             </a:fld>
             <a:endParaRPr lang="en-US" dirty="0"/>
           </a:p>
@@ -4949,7 +4957,7 @@
           <a:p>
             <a:fld id="{42A54C80-263E-416B-A8E0-580EDEADCBDC}" type="datetimeFigureOut">
               <a:rPr lang="en-US" dirty="0"/>
-              <a:t>6/24/2018</a:t>
+              <a:t>7/3/2018</a:t>
             </a:fld>
             <a:endParaRPr lang="en-US" dirty="0"/>
           </a:p>
@@ -5208,7 +5216,7 @@
             <a:fld id="{B61BEF0D-F0BB-DE4B-95CE-6DB70DBA9567}" type="datetimeFigureOut">
               <a:rPr lang="en-US" dirty="0"/>
               <a:pPr/>
-              <a:t>6/24/2018</a:t>
+              <a:t>7/3/2018</a:t>
             </a:fld>
             <a:endParaRPr lang="en-US" dirty="0"/>
           </a:p>
@@ -5948,7 +5956,7 @@
             <a:fld id="{B61BEF0D-F0BB-DE4B-95CE-6DB70DBA9567}" type="datetimeFigureOut">
               <a:rPr lang="en-US" dirty="0"/>
               <a:pPr/>
-              <a:t>6/24/2018</a:t>
+              <a:t>7/3/2018</a:t>
             </a:fld>
             <a:endParaRPr lang="en-US" dirty="0"/>
           </a:p>
@@ -6940,10 +6948,10 @@
       </p:sp>
       <p:graphicFrame>
         <p:nvGraphicFramePr>
-          <p:cNvPr id="4" name="Inhaltsplatzhalter 3">
+          <p:cNvPr id="6" name="Inhaltsplatzhalter 5">
             <a:extLst>
               <a:ext uri="{FF2B5EF4-FFF2-40B4-BE49-F238E27FC236}">
-                <a16:creationId xmlns:a16="http://schemas.microsoft.com/office/drawing/2014/main" id="{527DB223-EBD4-4BAB-B1C1-C54D04DCCCC5}"/>
+                <a16:creationId xmlns:a16="http://schemas.microsoft.com/office/drawing/2014/main" id="{518C1633-A0B7-4180-8DB8-878583CC9699}"/>
               </a:ext>
             </a:extLst>
           </p:cNvPr>
@@ -6954,40 +6962,47 @@
             <p:ph idx="1"/>
             <p:extLst>
               <p:ext uri="{D42A27DB-BD31-4B8C-83A1-F6EECF244321}">
-                <p14:modId xmlns:p14="http://schemas.microsoft.com/office/powerpoint/2010/main" val="768468006"/>
+                <p14:modId xmlns:p14="http://schemas.microsoft.com/office/powerpoint/2010/main" val="3412851234"/>
               </p:ext>
             </p:extLst>
           </p:nvPr>
         </p:nvGraphicFramePr>
         <p:xfrm>
-          <a:off x="677691" y="1512111"/>
-          <a:ext cx="8596311" cy="4556760"/>
+          <a:off x="791653" y="1629507"/>
+          <a:ext cx="8368030" cy="4754880"/>
         </p:xfrm>
         <a:graphic>
           <a:graphicData uri="http://schemas.openxmlformats.org/drawingml/2006/table">
             <a:tbl>
-              <a:tblPr firstRow="1" bandRow="1">
+              <a:tblPr firstRow="1" firstCol="1" bandRow="1">
                 <a:tableStyleId>{5C22544A-7EE6-4342-B048-85BDC9FD1C3A}</a:tableStyleId>
               </a:tblPr>
               <a:tblGrid>
-                <a:gridCol w="2865437">
+                <a:gridCol w="1588135">
                   <a:extLst>
                     <a:ext uri="{9D8B030D-6E8A-4147-A177-3AD203B41FA5}">
-                      <a16:colId xmlns:a16="http://schemas.microsoft.com/office/drawing/2014/main" val="2759887213"/>
+                      <a16:colId xmlns:a16="http://schemas.microsoft.com/office/drawing/2014/main" val="2188556650"/>
                     </a:ext>
                   </a:extLst>
                 </a:gridCol>
-                <a:gridCol w="2865437">
+                <a:gridCol w="394970">
                   <a:extLst>
                     <a:ext uri="{9D8B030D-6E8A-4147-A177-3AD203B41FA5}">
-                      <a16:colId xmlns:a16="http://schemas.microsoft.com/office/drawing/2014/main" val="3099311711"/>
+                      <a16:colId xmlns:a16="http://schemas.microsoft.com/office/drawing/2014/main" val="817753655"/>
                     </a:ext>
                   </a:extLst>
                 </a:gridCol>
-                <a:gridCol w="2865437">
+                <a:gridCol w="3214370">
                   <a:extLst>
                     <a:ext uri="{9D8B030D-6E8A-4147-A177-3AD203B41FA5}">
-                      <a16:colId xmlns:a16="http://schemas.microsoft.com/office/drawing/2014/main" val="1509046731"/>
+                      <a16:colId xmlns:a16="http://schemas.microsoft.com/office/drawing/2014/main" val="1835474959"/>
+                    </a:ext>
+                  </a:extLst>
+                </a:gridCol>
+                <a:gridCol w="3170555">
+                  <a:extLst>
+                    <a:ext uri="{9D8B030D-6E8A-4147-A177-3AD203B41FA5}">
+                      <a16:colId xmlns:a16="http://schemas.microsoft.com/office/drawing/2014/main" val="4012914168"/>
                     </a:ext>
                   </a:extLst>
                 </a:gridCol>
@@ -7006,24 +7021,64 @@
                       <a:r>
                         <a:rPr lang="de-DE" sz="1300" dirty="0">
                           <a:effectLst/>
-                          <a:latin typeface="Trebuchet MS (Textkörper)"/>
-                          <a:ea typeface="Calibri" panose="020F0502020204030204" pitchFamily="34" charset="0"/>
-                          <a:cs typeface="Times New Roman" panose="02020603050405020304" pitchFamily="18" charset="0"/>
                         </a:rPr>
-                        <a:t>AP </a:t>
-                      </a:r>
-                      <a:r>
-                        <a:rPr lang="de-DE" sz="1300" dirty="0" err="1">
-                          <a:effectLst/>
-                          <a:latin typeface="Trebuchet MS (Textkörper)"/>
-                          <a:ea typeface="Calibri" panose="020F0502020204030204" pitchFamily="34" charset="0"/>
-                          <a:cs typeface="Times New Roman" panose="02020603050405020304" pitchFamily="18" charset="0"/>
-                        </a:rPr>
-                        <a:t>Nr</a:t>
+                        <a:t>Woche</a:t>
                       </a:r>
                       <a:endParaRPr lang="de-DE" sz="1300" dirty="0">
                         <a:effectLst/>
-                        <a:latin typeface="Trebuchet MS (Textkörper)"/>
+                        <a:latin typeface="Calibri" panose="020F0502020204030204" pitchFamily="34" charset="0"/>
+                        <a:ea typeface="Calibri" panose="020F0502020204030204" pitchFamily="34" charset="0"/>
+                        <a:cs typeface="Times New Roman" panose="02020603050405020304" pitchFamily="18" charset="0"/>
+                      </a:endParaRPr>
+                    </a:p>
+                  </a:txBody>
+                  <a:tcPr marL="68580" marR="68580" marT="0" marB="0"/>
+                </a:tc>
+                <a:tc>
+                  <a:txBody>
+                    <a:bodyPr/>
+                    <a:lstStyle/>
+                    <a:p>
+                      <a:pPr>
+                        <a:spcAft>
+                          <a:spcPts val="0"/>
+                        </a:spcAft>
+                      </a:pPr>
+                      <a:r>
+                        <a:rPr lang="de-DE" sz="1300" dirty="0">
+                          <a:effectLst/>
+                        </a:rPr>
+                        <a:t>MS</a:t>
+                      </a:r>
+                      <a:endParaRPr lang="de-DE" sz="1300" dirty="0">
+                        <a:effectLst/>
+                        <a:latin typeface="Calibri" panose="020F0502020204030204" pitchFamily="34" charset="0"/>
+                        <a:ea typeface="Calibri" panose="020F0502020204030204" pitchFamily="34" charset="0"/>
+                        <a:cs typeface="Times New Roman" panose="02020603050405020304" pitchFamily="18" charset="0"/>
+                      </a:endParaRPr>
+                    </a:p>
+                  </a:txBody>
+                  <a:tcPr marL="68580" marR="68580" marT="0" marB="0"/>
+                </a:tc>
+                <a:tc>
+                  <a:txBody>
+                    <a:bodyPr/>
+                    <a:lstStyle/>
+                    <a:p>
+                      <a:pPr>
+                        <a:spcAft>
+                          <a:spcPts val="0"/>
+                        </a:spcAft>
+                      </a:pPr>
+                      <a:r>
+                        <a:rPr lang="de-DE" sz="1300" dirty="0">
+                          <a:effectLst/>
+                        </a:rPr>
+                        <a:t>Alex D.</a:t>
+                      </a:r>
+                      <a:endParaRPr lang="de-DE" sz="1300" dirty="0">
+                        <a:effectLst/>
+                        <a:latin typeface="Calibri" panose="020F0502020204030204" pitchFamily="34" charset="0"/>
                         <a:ea typeface="Calibri" panose="020F0502020204030204" pitchFamily="34" charset="0"/>
                         <a:cs typeface="Times New Roman" panose="02020603050405020304" pitchFamily="18" charset="0"/>
                       </a:endParaRPr>
@@ -7044,12 +7099,220 @@
                       <a:r>
                         <a:rPr lang="de-DE" sz="1300">
                           <a:effectLst/>
-                          <a:latin typeface="Trebuchet MS (Textkörper)"/>
-                          <a:ea typeface="Calibri" panose="020F0502020204030204" pitchFamily="34" charset="0"/>
-                          <a:cs typeface="Times New Roman" panose="02020603050405020304" pitchFamily="18" charset="0"/>
                         </a:rPr>
-                        <a:t>Name </a:t>
+                        <a:t>Alex K.</a:t>
                       </a:r>
+                      <a:endParaRPr lang="de-DE" sz="1300">
+                        <a:effectLst/>
+                        <a:latin typeface="Calibri" panose="020F0502020204030204" pitchFamily="34" charset="0"/>
+                        <a:ea typeface="Calibri" panose="020F0502020204030204" pitchFamily="34" charset="0"/>
+                        <a:cs typeface="Times New Roman" panose="02020603050405020304" pitchFamily="18" charset="0"/>
+                      </a:endParaRPr>
+                    </a:p>
+                  </a:txBody>
+                  <a:tcPr marL="68580" marR="68580" marT="0" marB="0"/>
+                </a:tc>
+                <a:extLst>
+                  <a:ext uri="{0D108BD9-81ED-4DB2-BD59-A6C34878D82A}">
+                    <a16:rowId xmlns:a16="http://schemas.microsoft.com/office/drawing/2014/main" val="3748896402"/>
+                  </a:ext>
+                </a:extLst>
+              </a:tr>
+              <a:tr h="0">
+                <a:tc>
+                  <a:txBody>
+                    <a:bodyPr/>
+                    <a:lstStyle/>
+                    <a:p>
+                      <a:pPr>
+                        <a:spcAft>
+                          <a:spcPts val="0"/>
+                        </a:spcAft>
+                      </a:pPr>
+                      <a:r>
+                        <a:rPr lang="de-DE" sz="1300">
+                          <a:effectLst/>
+                        </a:rPr>
+                        <a:t>26.06.2018 – 01.07.2018</a:t>
+                      </a:r>
+                      <a:endParaRPr lang="de-DE" sz="1300">
+                        <a:effectLst/>
+                        <a:latin typeface="Calibri" panose="020F0502020204030204" pitchFamily="34" charset="0"/>
+                        <a:ea typeface="Calibri" panose="020F0502020204030204" pitchFamily="34" charset="0"/>
+                        <a:cs typeface="Times New Roman" panose="02020603050405020304" pitchFamily="18" charset="0"/>
+                      </a:endParaRPr>
+                    </a:p>
+                  </a:txBody>
+                  <a:tcPr marL="68580" marR="68580" marT="0" marB="0"/>
+                </a:tc>
+                <a:tc>
+                  <a:txBody>
+                    <a:bodyPr/>
+                    <a:lstStyle/>
+                    <a:p>
+                      <a:pPr algn="ctr">
+                        <a:spcAft>
+                          <a:spcPts val="0"/>
+                        </a:spcAft>
+                      </a:pPr>
+                      <a:r>
+                        <a:rPr lang="de-DE" sz="1300" dirty="0">
+                          <a:effectLst/>
+                        </a:rPr>
+                        <a:t>0</a:t>
+                      </a:r>
+                      <a:endParaRPr lang="de-DE" sz="1300" dirty="0">
+                        <a:effectLst/>
+                        <a:latin typeface="Calibri" panose="020F0502020204030204" pitchFamily="34" charset="0"/>
+                        <a:ea typeface="Calibri" panose="020F0502020204030204" pitchFamily="34" charset="0"/>
+                        <a:cs typeface="Times New Roman" panose="02020603050405020304" pitchFamily="18" charset="0"/>
+                      </a:endParaRPr>
+                    </a:p>
+                  </a:txBody>
+                  <a:tcPr marL="68580" marR="68580" marT="0" marB="0" anchor="ctr"/>
+                </a:tc>
+                <a:tc gridSpan="2">
+                  <a:txBody>
+                    <a:bodyPr/>
+                    <a:lstStyle/>
+                    <a:p>
+                      <a:pPr algn="ctr">
+                        <a:spcAft>
+                          <a:spcPts val="0"/>
+                        </a:spcAft>
+                      </a:pPr>
+                      <a:r>
+                        <a:rPr lang="de-DE" sz="1300" dirty="0">
+                          <a:effectLst/>
+                        </a:rPr>
+                        <a:t>Planung &amp; erste Präsentation</a:t>
+                      </a:r>
+                    </a:p>
+                    <a:p>
+                      <a:pPr algn="ctr">
+                        <a:spcAft>
+                          <a:spcPts val="0"/>
+                        </a:spcAft>
+                      </a:pPr>
+                      <a:r>
+                        <a:rPr lang="de-DE" sz="1300" dirty="0">
+                          <a:effectLst/>
+                        </a:rPr>
+                        <a:t>In </a:t>
+                      </a:r>
+                      <a:r>
+                        <a:rPr lang="de-DE" sz="1300" dirty="0" err="1">
+                          <a:effectLst/>
+                        </a:rPr>
+                        <a:t>Github</a:t>
+                      </a:r>
+                      <a:r>
+                        <a:rPr lang="de-DE" sz="1300" dirty="0">
+                          <a:effectLst/>
+                        </a:rPr>
+                        <a:t> einarbeiten</a:t>
+                      </a:r>
+                      <a:endParaRPr lang="de-DE" sz="1300" dirty="0">
+                        <a:effectLst/>
+                        <a:latin typeface="Calibri" panose="020F0502020204030204" pitchFamily="34" charset="0"/>
+                        <a:ea typeface="Calibri" panose="020F0502020204030204" pitchFamily="34" charset="0"/>
+                        <a:cs typeface="Times New Roman" panose="02020603050405020304" pitchFamily="18" charset="0"/>
+                      </a:endParaRPr>
+                    </a:p>
+                  </a:txBody>
+                  <a:tcPr marL="68580" marR="68580" marT="0" marB="0"/>
+                </a:tc>
+                <a:tc hMerge="1">
+                  <a:txBody>
+                    <a:bodyPr/>
+                    <a:lstStyle/>
+                    <a:p>
+                      <a:endParaRPr lang="de-DE"/>
+                    </a:p>
+                  </a:txBody>
+                  <a:tcPr/>
+                </a:tc>
+                <a:extLst>
+                  <a:ext uri="{0D108BD9-81ED-4DB2-BD59-A6C34878D82A}">
+                    <a16:rowId xmlns:a16="http://schemas.microsoft.com/office/drawing/2014/main" val="77076391"/>
+                  </a:ext>
+                </a:extLst>
+              </a:tr>
+              <a:tr h="0">
+                <a:tc>
+                  <a:txBody>
+                    <a:bodyPr/>
+                    <a:lstStyle/>
+                    <a:p>
+                      <a:pPr>
+                        <a:spcAft>
+                          <a:spcPts val="0"/>
+                        </a:spcAft>
+                      </a:pPr>
+                      <a:r>
+                        <a:rPr lang="de-DE" sz="1300">
+                          <a:effectLst/>
+                        </a:rPr>
+                        <a:t>02.07.2018 – 08.07.2018</a:t>
+                      </a:r>
+                      <a:endParaRPr lang="de-DE" sz="1300">
+                        <a:effectLst/>
+                        <a:latin typeface="Calibri" panose="020F0502020204030204" pitchFamily="34" charset="0"/>
+                        <a:ea typeface="Calibri" panose="020F0502020204030204" pitchFamily="34" charset="0"/>
+                        <a:cs typeface="Times New Roman" panose="02020603050405020304" pitchFamily="18" charset="0"/>
+                      </a:endParaRPr>
+                    </a:p>
+                  </a:txBody>
+                  <a:tcPr marL="68580" marR="68580" marT="0" marB="0"/>
+                </a:tc>
+                <a:tc>
+                  <a:txBody>
+                    <a:bodyPr/>
+                    <a:lstStyle/>
+                    <a:p>
+                      <a:pPr algn="ctr">
+                        <a:spcAft>
+                          <a:spcPts val="0"/>
+                        </a:spcAft>
+                      </a:pPr>
+                      <a:r>
+                        <a:rPr lang="de-DE" sz="1300" dirty="0">
+                          <a:effectLst/>
+                        </a:rPr>
+                        <a:t>1</a:t>
+                      </a:r>
+                      <a:endParaRPr lang="de-DE" sz="1300" dirty="0">
+                        <a:effectLst/>
+                        <a:latin typeface="Calibri" panose="020F0502020204030204" pitchFamily="34" charset="0"/>
+                        <a:ea typeface="Calibri" panose="020F0502020204030204" pitchFamily="34" charset="0"/>
+                        <a:cs typeface="Times New Roman" panose="02020603050405020304" pitchFamily="18" charset="0"/>
+                      </a:endParaRPr>
+                    </a:p>
+                  </a:txBody>
+                  <a:tcPr marL="68580" marR="68580" marT="0" marB="0" anchor="ctr"/>
+                </a:tc>
+                <a:tc>
+                  <a:txBody>
+                    <a:bodyPr/>
+                    <a:lstStyle/>
+                    <a:p>
+                      <a:pPr>
+                        <a:spcAft>
+                          <a:spcPts val="0"/>
+                        </a:spcAft>
+                      </a:pPr>
+                      <a:r>
+                        <a:rPr lang="de-DE" sz="1300">
+                          <a:effectLst/>
+                        </a:rPr>
+                        <a:t>Traversierung der Äste </a:t>
+                      </a:r>
+                      <a:endParaRPr lang="de-DE" sz="1300">
+                        <a:effectLst/>
+                        <a:latin typeface="Calibri" panose="020F0502020204030204" pitchFamily="34" charset="0"/>
+                        <a:ea typeface="Calibri" panose="020F0502020204030204" pitchFamily="34" charset="0"/>
+                        <a:cs typeface="Times New Roman" panose="02020603050405020304" pitchFamily="18" charset="0"/>
+                      </a:endParaRPr>
                     </a:p>
                   </a:txBody>
                   <a:tcPr marL="68580" marR="68580" marT="0" marB="0"/>
@@ -7067,19 +7330,35 @@
                       <a:r>
                         <a:rPr lang="de-DE" sz="1300" dirty="0">
                           <a:effectLst/>
-                          <a:latin typeface="Trebuchet MS (Textkörper)"/>
-                          <a:ea typeface="Calibri" panose="020F0502020204030204" pitchFamily="34" charset="0"/>
-                          <a:cs typeface="Times New Roman" panose="02020603050405020304" pitchFamily="18" charset="0"/>
                         </a:rPr>
-                        <a:t>Verantwortlicher</a:t>
+                        <a:t>Baumgenerator-Skript</a:t>
                       </a:r>
+                    </a:p>
+                    <a:p>
+                      <a:pPr>
+                        <a:spcAft>
+                          <a:spcPts val="0"/>
+                        </a:spcAft>
+                      </a:pPr>
+                      <a:r>
+                        <a:rPr lang="de-DE" sz="1300" dirty="0">
+                          <a:effectLst/>
+                        </a:rPr>
+                        <a:t>Ast-Auswahl-Steuerung</a:t>
+                      </a:r>
+                      <a:endParaRPr lang="de-DE" sz="1300" dirty="0">
+                        <a:effectLst/>
+                        <a:latin typeface="Calibri" panose="020F0502020204030204" pitchFamily="34" charset="0"/>
+                        <a:ea typeface="Calibri" panose="020F0502020204030204" pitchFamily="34" charset="0"/>
+                        <a:cs typeface="Times New Roman" panose="02020603050405020304" pitchFamily="18" charset="0"/>
+                      </a:endParaRPr>
                     </a:p>
                   </a:txBody>
                   <a:tcPr marL="68580" marR="68580" marT="0" marB="0"/>
                 </a:tc>
                 <a:extLst>
                   <a:ext uri="{0D108BD9-81ED-4DB2-BD59-A6C34878D82A}">
-                    <a16:rowId xmlns:a16="http://schemas.microsoft.com/office/drawing/2014/main" val="1799741660"/>
+                    <a16:rowId xmlns:a16="http://schemas.microsoft.com/office/drawing/2014/main" val="1255968947"/>
                   </a:ext>
                 </a:extLst>
               </a:tr>
@@ -7095,14 +7374,69 @@
                         </a:spcAft>
                       </a:pPr>
                       <a:r>
+                        <a:rPr lang="de-DE" sz="1300">
+                          <a:effectLst/>
+                        </a:rPr>
+                        <a:t>09.07.2018 – 15.07.2018</a:t>
+                      </a:r>
+                      <a:endParaRPr lang="de-DE" sz="1300">
+                        <a:effectLst/>
+                        <a:latin typeface="Calibri" panose="020F0502020204030204" pitchFamily="34" charset="0"/>
+                        <a:ea typeface="Calibri" panose="020F0502020204030204" pitchFamily="34" charset="0"/>
+                        <a:cs typeface="Times New Roman" panose="02020603050405020304" pitchFamily="18" charset="0"/>
+                      </a:endParaRPr>
+                    </a:p>
+                  </a:txBody>
+                  <a:tcPr marL="68580" marR="68580" marT="0" marB="0"/>
+                </a:tc>
+                <a:tc>
+                  <a:txBody>
+                    <a:bodyPr/>
+                    <a:lstStyle/>
+                    <a:p>
+                      <a:pPr algn="ctr">
+                        <a:spcAft>
+                          <a:spcPts val="0"/>
+                        </a:spcAft>
+                      </a:pPr>
+                      <a:r>
                         <a:rPr lang="de-DE" sz="1300" dirty="0">
                           <a:effectLst/>
-                          <a:latin typeface="Trebuchet MS (Textkörper)"/>
-                          <a:ea typeface="Calibri" panose="020F0502020204030204" pitchFamily="34" charset="0"/>
-                          <a:cs typeface="Times New Roman" panose="02020603050405020304" pitchFamily="18" charset="0"/>
                         </a:rPr>
-                        <a:t>1 </a:t>
+                        <a:t>1</a:t>
                       </a:r>
+                      <a:endParaRPr lang="de-DE" sz="1300" dirty="0">
+                        <a:effectLst/>
+                        <a:latin typeface="Calibri" panose="020F0502020204030204" pitchFamily="34" charset="0"/>
+                        <a:ea typeface="Calibri" panose="020F0502020204030204" pitchFamily="34" charset="0"/>
+                        <a:cs typeface="Times New Roman" panose="02020603050405020304" pitchFamily="18" charset="0"/>
+                      </a:endParaRPr>
+                    </a:p>
+                  </a:txBody>
+                  <a:tcPr marL="68580" marR="68580" marT="0" marB="0" anchor="ctr"/>
+                </a:tc>
+                <a:tc>
+                  <a:txBody>
+                    <a:bodyPr/>
+                    <a:lstStyle/>
+                    <a:p>
+                      <a:pPr>
+                        <a:spcAft>
+                          <a:spcPts val="0"/>
+                        </a:spcAft>
+                      </a:pPr>
+                      <a:r>
+                        <a:rPr lang="de-DE" sz="1300">
+                          <a:effectLst/>
+                        </a:rPr>
+                        <a:t>Schneiden der Äste, Objekt von Hauptobjekt trennen</a:t>
+                      </a:r>
+                      <a:endParaRPr lang="de-DE" sz="1300">
+                        <a:effectLst/>
+                        <a:latin typeface="Calibri" panose="020F0502020204030204" pitchFamily="34" charset="0"/>
+                        <a:ea typeface="Calibri" panose="020F0502020204030204" pitchFamily="34" charset="0"/>
+                        <a:cs typeface="Times New Roman" panose="02020603050405020304" pitchFamily="18" charset="0"/>
+                      </a:endParaRPr>
                     </a:p>
                   </a:txBody>
                   <a:tcPr marL="68580" marR="68580" marT="0" marB="0"/>
@@ -7120,42 +7454,22 @@
                       <a:r>
                         <a:rPr lang="de-DE" sz="1300" dirty="0">
                           <a:effectLst/>
-                          <a:latin typeface="Trebuchet MS (Textkörper)"/>
-                          <a:ea typeface="Calibri" panose="020F0502020204030204" pitchFamily="34" charset="0"/>
-                          <a:cs typeface="Times New Roman" panose="02020603050405020304" pitchFamily="18" charset="0"/>
                         </a:rPr>
-                        <a:t>Planung &amp; erste Präsentation </a:t>
+                        <a:t>3D-Steuerung/Cam</a:t>
                       </a:r>
-                    </a:p>
-                  </a:txBody>
-                  <a:tcPr marL="68580" marR="68580" marT="0" marB="0"/>
-                </a:tc>
-                <a:tc>
-                  <a:txBody>
-                    <a:bodyPr/>
-                    <a:lstStyle/>
-                    <a:p>
-                      <a:pPr>
-                        <a:spcAft>
-                          <a:spcPts val="0"/>
-                        </a:spcAft>
-                      </a:pPr>
-                      <a:r>
-                        <a:rPr lang="de-DE" sz="1300">
-                          <a:effectLst/>
-                          <a:latin typeface="Trebuchet MS (Textkörper)"/>
-                          <a:ea typeface="Calibri" panose="020F0502020204030204" pitchFamily="34" charset="0"/>
-                          <a:cs typeface="Times New Roman" panose="02020603050405020304" pitchFamily="18" charset="0"/>
-                        </a:rPr>
-                        <a:t>Alex D.</a:t>
-                      </a:r>
+                      <a:endParaRPr lang="de-DE" sz="1300" dirty="0">
+                        <a:effectLst/>
+                        <a:latin typeface="Calibri" panose="020F0502020204030204" pitchFamily="34" charset="0"/>
+                        <a:ea typeface="Calibri" panose="020F0502020204030204" pitchFamily="34" charset="0"/>
+                        <a:cs typeface="Times New Roman" panose="02020603050405020304" pitchFamily="18" charset="0"/>
+                      </a:endParaRPr>
                     </a:p>
                   </a:txBody>
                   <a:tcPr marL="68580" marR="68580" marT="0" marB="0"/>
                 </a:tc>
                 <a:extLst>
                   <a:ext uri="{0D108BD9-81ED-4DB2-BD59-A6C34878D82A}">
-                    <a16:rowId xmlns:a16="http://schemas.microsoft.com/office/drawing/2014/main" val="2125880108"/>
+                    <a16:rowId xmlns:a16="http://schemas.microsoft.com/office/drawing/2014/main" val="990520395"/>
                   </a:ext>
                 </a:extLst>
               </a:tr>
@@ -7171,17 +7485,46 @@
                         </a:spcAft>
                       </a:pPr>
                       <a:r>
-                        <a:rPr lang="de-DE" sz="1300" dirty="0">
+                        <a:rPr lang="de-DE" sz="1300">
                           <a:effectLst/>
-                          <a:latin typeface="Trebuchet MS (Textkörper)"/>
-                          <a:ea typeface="Calibri" panose="020F0502020204030204" pitchFamily="34" charset="0"/>
-                          <a:cs typeface="Times New Roman" panose="02020603050405020304" pitchFamily="18" charset="0"/>
                         </a:rPr>
-                        <a:t>2 </a:t>
+                        <a:t>16.07.2018 – 22.07.2018</a:t>
                       </a:r>
+                      <a:endParaRPr lang="de-DE" sz="1300">
+                        <a:effectLst/>
+                        <a:latin typeface="Calibri" panose="020F0502020204030204" pitchFamily="34" charset="0"/>
+                        <a:ea typeface="Calibri" panose="020F0502020204030204" pitchFamily="34" charset="0"/>
+                        <a:cs typeface="Times New Roman" panose="02020603050405020304" pitchFamily="18" charset="0"/>
+                      </a:endParaRPr>
                     </a:p>
                   </a:txBody>
                   <a:tcPr marL="68580" marR="68580" marT="0" marB="0"/>
+                </a:tc>
+                <a:tc>
+                  <a:txBody>
+                    <a:bodyPr/>
+                    <a:lstStyle/>
+                    <a:p>
+                      <a:pPr algn="ctr">
+                        <a:spcAft>
+                          <a:spcPts val="0"/>
+                        </a:spcAft>
+                      </a:pPr>
+                      <a:r>
+                        <a:rPr lang="de-DE" sz="1300" dirty="0">
+                          <a:effectLst/>
+                        </a:rPr>
+                        <a:t> </a:t>
+                      </a:r>
+                      <a:endParaRPr lang="de-DE" sz="1300" dirty="0">
+                        <a:effectLst/>
+                        <a:latin typeface="Calibri" panose="020F0502020204030204" pitchFamily="34" charset="0"/>
+                        <a:ea typeface="Calibri" panose="020F0502020204030204" pitchFamily="34" charset="0"/>
+                        <a:cs typeface="Times New Roman" panose="02020603050405020304" pitchFamily="18" charset="0"/>
+                      </a:endParaRPr>
+                    </a:p>
+                  </a:txBody>
+                  <a:tcPr marL="68580" marR="68580" marT="0" marB="0" anchor="ctr"/>
                 </a:tc>
                 <a:tc>
                   <a:txBody>
@@ -7196,217 +7539,15 @@
                       <a:r>
                         <a:rPr lang="de-DE" sz="1300">
                           <a:effectLst/>
-                          <a:latin typeface="Trebuchet MS (Textkörper)"/>
-                          <a:ea typeface="Calibri" panose="020F0502020204030204" pitchFamily="34" charset="0"/>
-                          <a:cs typeface="Times New Roman" panose="02020603050405020304" pitchFamily="18" charset="0"/>
                         </a:rPr>
-                        <a:t>In Github einarbeiten </a:t>
+                        <a:t>Klausuren</a:t>
                       </a:r>
-                    </a:p>
-                  </a:txBody>
-                  <a:tcPr marL="68580" marR="68580" marT="0" marB="0"/>
-                </a:tc>
-                <a:tc>
-                  <a:txBody>
-                    <a:bodyPr/>
-                    <a:lstStyle/>
-                    <a:p>
-                      <a:pPr>
-                        <a:spcAft>
-                          <a:spcPts val="0"/>
-                        </a:spcAft>
-                      </a:pPr>
-                      <a:r>
-                        <a:rPr lang="de-DE" sz="1300">
-                          <a:effectLst/>
-                          <a:latin typeface="Trebuchet MS (Textkörper)"/>
-                          <a:ea typeface="Calibri" panose="020F0502020204030204" pitchFamily="34" charset="0"/>
-                          <a:cs typeface="Times New Roman" panose="02020603050405020304" pitchFamily="18" charset="0"/>
-                        </a:rPr>
-                        <a:t>Alex K.</a:t>
-                      </a:r>
-                    </a:p>
-                  </a:txBody>
-                  <a:tcPr marL="68580" marR="68580" marT="0" marB="0"/>
-                </a:tc>
-                <a:extLst>
-                  <a:ext uri="{0D108BD9-81ED-4DB2-BD59-A6C34878D82A}">
-                    <a16:rowId xmlns:a16="http://schemas.microsoft.com/office/drawing/2014/main" val="1319401022"/>
-                  </a:ext>
-                </a:extLst>
-              </a:tr>
-              <a:tr h="0">
-                <a:tc>
-                  <a:txBody>
-                    <a:bodyPr/>
-                    <a:lstStyle/>
-                    <a:p>
-                      <a:pPr>
-                        <a:spcAft>
-                          <a:spcPts val="0"/>
-                        </a:spcAft>
-                      </a:pPr>
-                      <a:r>
-                        <a:rPr lang="de-DE" sz="1300" dirty="0">
-                          <a:effectLst/>
-                          <a:latin typeface="Trebuchet MS (Textkörper)"/>
-                          <a:ea typeface="Calibri" panose="020F0502020204030204" pitchFamily="34" charset="0"/>
-                          <a:cs typeface="Times New Roman" panose="02020603050405020304" pitchFamily="18" charset="0"/>
-                        </a:rPr>
-                        <a:t>3 </a:t>
-                      </a:r>
-                    </a:p>
-                  </a:txBody>
-                  <a:tcPr marL="68580" marR="68580" marT="0" marB="0"/>
-                </a:tc>
-                <a:tc>
-                  <a:txBody>
-                    <a:bodyPr/>
-                    <a:lstStyle/>
-                    <a:p>
-                      <a:pPr>
-                        <a:spcAft>
-                          <a:spcPts val="0"/>
-                        </a:spcAft>
-                      </a:pPr>
-                      <a:r>
-                        <a:rPr lang="de-DE" sz="1300">
-                          <a:effectLst/>
-                          <a:latin typeface="Trebuchet MS (Textkörper)"/>
-                          <a:ea typeface="Calibri" panose="020F0502020204030204" pitchFamily="34" charset="0"/>
-                          <a:cs typeface="Times New Roman" panose="02020603050405020304" pitchFamily="18" charset="0"/>
-                        </a:rPr>
-                        <a:t>Baumgenerator-Script </a:t>
-                      </a:r>
-                    </a:p>
-                  </a:txBody>
-                  <a:tcPr marL="68580" marR="68580" marT="0" marB="0"/>
-                </a:tc>
-                <a:tc>
-                  <a:txBody>
-                    <a:bodyPr/>
-                    <a:lstStyle/>
-                    <a:p>
-                      <a:pPr>
-                        <a:spcAft>
-                          <a:spcPts val="0"/>
-                        </a:spcAft>
-                      </a:pPr>
-                      <a:r>
-                        <a:rPr lang="de-DE" sz="1300">
-                          <a:effectLst/>
-                          <a:latin typeface="Trebuchet MS (Textkörper)"/>
-                          <a:ea typeface="Calibri" panose="020F0502020204030204" pitchFamily="34" charset="0"/>
-                          <a:cs typeface="Times New Roman" panose="02020603050405020304" pitchFamily="18" charset="0"/>
-                        </a:rPr>
-                        <a:t>Alex D.</a:t>
-                      </a:r>
-                    </a:p>
-                  </a:txBody>
-                  <a:tcPr marL="68580" marR="68580" marT="0" marB="0"/>
-                </a:tc>
-                <a:extLst>
-                  <a:ext uri="{0D108BD9-81ED-4DB2-BD59-A6C34878D82A}">
-                    <a16:rowId xmlns:a16="http://schemas.microsoft.com/office/drawing/2014/main" val="2633939155"/>
-                  </a:ext>
-                </a:extLst>
-              </a:tr>
-              <a:tr h="0">
-                <a:tc>
-                  <a:txBody>
-                    <a:bodyPr/>
-                    <a:lstStyle/>
-                    <a:p>
-                      <a:pPr>
-                        <a:spcAft>
-                          <a:spcPts val="0"/>
-                        </a:spcAft>
-                      </a:pPr>
-                      <a:r>
-                        <a:rPr lang="de-DE" sz="1300" dirty="0">
-                          <a:effectLst/>
-                          <a:latin typeface="Trebuchet MS (Textkörper)"/>
-                          <a:ea typeface="Calibri" panose="020F0502020204030204" pitchFamily="34" charset="0"/>
-                          <a:cs typeface="Times New Roman" panose="02020603050405020304" pitchFamily="18" charset="0"/>
-                        </a:rPr>
-                        <a:t>4 </a:t>
-                      </a:r>
-                    </a:p>
-                  </a:txBody>
-                  <a:tcPr marL="68580" marR="68580" marT="0" marB="0"/>
-                </a:tc>
-                <a:tc>
-                  <a:txBody>
-                    <a:bodyPr/>
-                    <a:lstStyle/>
-                    <a:p>
-                      <a:pPr>
-                        <a:spcAft>
-                          <a:spcPts val="0"/>
-                        </a:spcAft>
-                      </a:pPr>
-                      <a:r>
-                        <a:rPr lang="de-DE" sz="1300">
-                          <a:effectLst/>
-                          <a:latin typeface="Trebuchet MS (Textkörper)"/>
-                          <a:ea typeface="Calibri" panose="020F0502020204030204" pitchFamily="34" charset="0"/>
-                          <a:cs typeface="Times New Roman" panose="02020603050405020304" pitchFamily="18" charset="0"/>
-                        </a:rPr>
-                        <a:t>Traversierung der Äste </a:t>
-                      </a:r>
-                    </a:p>
-                  </a:txBody>
-                  <a:tcPr marL="68580" marR="68580" marT="0" marB="0"/>
-                </a:tc>
-                <a:tc>
-                  <a:txBody>
-                    <a:bodyPr/>
-                    <a:lstStyle/>
-                    <a:p>
-                      <a:pPr>
-                        <a:spcAft>
-                          <a:spcPts val="0"/>
-                        </a:spcAft>
-                      </a:pPr>
-                      <a:r>
-                        <a:rPr lang="de-DE" sz="1300">
-                          <a:effectLst/>
-                          <a:latin typeface="Trebuchet MS (Textkörper)"/>
-                          <a:ea typeface="Calibri" panose="020F0502020204030204" pitchFamily="34" charset="0"/>
-                          <a:cs typeface="Times New Roman" panose="02020603050405020304" pitchFamily="18" charset="0"/>
-                        </a:rPr>
-                        <a:t>Alex K.</a:t>
-                      </a:r>
-                    </a:p>
-                  </a:txBody>
-                  <a:tcPr marL="68580" marR="68580" marT="0" marB="0"/>
-                </a:tc>
-                <a:extLst>
-                  <a:ext uri="{0D108BD9-81ED-4DB2-BD59-A6C34878D82A}">
-                    <a16:rowId xmlns:a16="http://schemas.microsoft.com/office/drawing/2014/main" val="2957402664"/>
-                  </a:ext>
-                </a:extLst>
-              </a:tr>
-              <a:tr h="0">
-                <a:tc>
-                  <a:txBody>
-                    <a:bodyPr/>
-                    <a:lstStyle/>
-                    <a:p>
-                      <a:pPr>
-                        <a:spcAft>
-                          <a:spcPts val="0"/>
-                        </a:spcAft>
-                      </a:pPr>
-                      <a:r>
-                        <a:rPr lang="de-DE" sz="1300" dirty="0">
-                          <a:effectLst/>
-                          <a:latin typeface="Trebuchet MS (Textkörper)"/>
-                          <a:ea typeface="Calibri" panose="020F0502020204030204" pitchFamily="34" charset="0"/>
-                          <a:cs typeface="Times New Roman" panose="02020603050405020304" pitchFamily="18" charset="0"/>
-                        </a:rPr>
-                        <a:t>5 </a:t>
-                      </a:r>
+                      <a:endParaRPr lang="de-DE" sz="1300">
+                        <a:effectLst/>
+                        <a:latin typeface="Calibri" panose="020F0502020204030204" pitchFamily="34" charset="0"/>
+                        <a:ea typeface="Calibri" panose="020F0502020204030204" pitchFamily="34" charset="0"/>
+                        <a:cs typeface="Times New Roman" panose="02020603050405020304" pitchFamily="18" charset="0"/>
+                      </a:endParaRPr>
                     </a:p>
                   </a:txBody>
                   <a:tcPr marL="68580" marR="68580" marT="0" marB="0"/>
@@ -7424,42 +7565,22 @@
                       <a:r>
                         <a:rPr lang="de-DE" sz="1300" dirty="0">
                           <a:effectLst/>
-                          <a:latin typeface="Trebuchet MS (Textkörper)"/>
-                          <a:ea typeface="Calibri" panose="020F0502020204030204" pitchFamily="34" charset="0"/>
-                          <a:cs typeface="Times New Roman" panose="02020603050405020304" pitchFamily="18" charset="0"/>
                         </a:rPr>
-                        <a:t>Ast-Auswahl-Steuerung </a:t>
+                        <a:t>Klausuren</a:t>
                       </a:r>
-                    </a:p>
-                  </a:txBody>
-                  <a:tcPr marL="68580" marR="68580" marT="0" marB="0"/>
-                </a:tc>
-                <a:tc>
-                  <a:txBody>
-                    <a:bodyPr/>
-                    <a:lstStyle/>
-                    <a:p>
-                      <a:pPr>
-                        <a:spcAft>
-                          <a:spcPts val="0"/>
-                        </a:spcAft>
-                      </a:pPr>
-                      <a:r>
-                        <a:rPr lang="de-DE" sz="1300">
-                          <a:effectLst/>
-                          <a:latin typeface="Trebuchet MS (Textkörper)"/>
-                          <a:ea typeface="Calibri" panose="020F0502020204030204" pitchFamily="34" charset="0"/>
-                          <a:cs typeface="Times New Roman" panose="02020603050405020304" pitchFamily="18" charset="0"/>
-                        </a:rPr>
-                        <a:t>Alex D.</a:t>
-                      </a:r>
+                      <a:endParaRPr lang="de-DE" sz="1300" dirty="0">
+                        <a:effectLst/>
+                        <a:latin typeface="Calibri" panose="020F0502020204030204" pitchFamily="34" charset="0"/>
+                        <a:ea typeface="Calibri" panose="020F0502020204030204" pitchFamily="34" charset="0"/>
+                        <a:cs typeface="Times New Roman" panose="02020603050405020304" pitchFamily="18" charset="0"/>
+                      </a:endParaRPr>
                     </a:p>
                   </a:txBody>
                   <a:tcPr marL="68580" marR="68580" marT="0" marB="0"/>
                 </a:tc>
                 <a:extLst>
                   <a:ext uri="{0D108BD9-81ED-4DB2-BD59-A6C34878D82A}">
-                    <a16:rowId xmlns:a16="http://schemas.microsoft.com/office/drawing/2014/main" val="1567744989"/>
+                    <a16:rowId xmlns:a16="http://schemas.microsoft.com/office/drawing/2014/main" val="1538555502"/>
                   </a:ext>
                 </a:extLst>
               </a:tr>
@@ -7475,17 +7596,46 @@
                         </a:spcAft>
                       </a:pPr>
                       <a:r>
-                        <a:rPr lang="de-DE" sz="1300" dirty="0">
+                        <a:rPr lang="de-DE" sz="1300">
                           <a:effectLst/>
-                          <a:latin typeface="Trebuchet MS (Textkörper)"/>
-                          <a:ea typeface="Calibri" panose="020F0502020204030204" pitchFamily="34" charset="0"/>
-                          <a:cs typeface="Times New Roman" panose="02020603050405020304" pitchFamily="18" charset="0"/>
                         </a:rPr>
-                        <a:t>6 </a:t>
+                        <a:t>23.07.2018 – 29.07.2018</a:t>
                       </a:r>
+                      <a:endParaRPr lang="de-DE" sz="1300">
+                        <a:effectLst/>
+                        <a:latin typeface="Calibri" panose="020F0502020204030204" pitchFamily="34" charset="0"/>
+                        <a:ea typeface="Calibri" panose="020F0502020204030204" pitchFamily="34" charset="0"/>
+                        <a:cs typeface="Times New Roman" panose="02020603050405020304" pitchFamily="18" charset="0"/>
+                      </a:endParaRPr>
                     </a:p>
                   </a:txBody>
                   <a:tcPr marL="68580" marR="68580" marT="0" marB="0"/>
+                </a:tc>
+                <a:tc>
+                  <a:txBody>
+                    <a:bodyPr/>
+                    <a:lstStyle/>
+                    <a:p>
+                      <a:pPr algn="ctr">
+                        <a:spcAft>
+                          <a:spcPts val="0"/>
+                        </a:spcAft>
+                      </a:pPr>
+                      <a:r>
+                        <a:rPr lang="de-DE" sz="1300" dirty="0">
+                          <a:effectLst/>
+                        </a:rPr>
+                        <a:t> </a:t>
+                      </a:r>
+                      <a:endParaRPr lang="de-DE" sz="1300" dirty="0">
+                        <a:effectLst/>
+                        <a:latin typeface="Calibri" panose="020F0502020204030204" pitchFamily="34" charset="0"/>
+                        <a:ea typeface="Calibri" panose="020F0502020204030204" pitchFamily="34" charset="0"/>
+                        <a:cs typeface="Times New Roman" panose="02020603050405020304" pitchFamily="18" charset="0"/>
+                      </a:endParaRPr>
+                    </a:p>
+                  </a:txBody>
+                  <a:tcPr marL="68580" marR="68580" marT="0" marB="0" anchor="ctr"/>
                 </a:tc>
                 <a:tc>
                   <a:txBody>
@@ -7500,392 +7650,15 @@
                       <a:r>
                         <a:rPr lang="de-DE" sz="1300">
                           <a:effectLst/>
-                          <a:latin typeface="Trebuchet MS (Textkörper)"/>
-                          <a:ea typeface="Calibri" panose="020F0502020204030204" pitchFamily="34" charset="0"/>
-                          <a:cs typeface="Times New Roman" panose="02020603050405020304" pitchFamily="18" charset="0"/>
                         </a:rPr>
-                        <a:t>Schneiden der Äste, Obj von Hauptobj trennen </a:t>
+                        <a:t>Klausuren</a:t>
                       </a:r>
-                    </a:p>
-                  </a:txBody>
-                  <a:tcPr marL="68580" marR="68580" marT="0" marB="0"/>
-                </a:tc>
-                <a:tc>
-                  <a:txBody>
-                    <a:bodyPr/>
-                    <a:lstStyle/>
-                    <a:p>
-                      <a:pPr>
-                        <a:spcAft>
-                          <a:spcPts val="0"/>
-                        </a:spcAft>
-                      </a:pPr>
-                      <a:r>
-                        <a:rPr lang="de-DE" sz="1300">
-                          <a:effectLst/>
-                          <a:latin typeface="Trebuchet MS (Textkörper)"/>
-                          <a:ea typeface="Calibri" panose="020F0502020204030204" pitchFamily="34" charset="0"/>
-                          <a:cs typeface="Times New Roman" panose="02020603050405020304" pitchFamily="18" charset="0"/>
-                        </a:rPr>
-                        <a:t>Alex K.</a:t>
-                      </a:r>
-                    </a:p>
-                  </a:txBody>
-                  <a:tcPr marL="68580" marR="68580" marT="0" marB="0"/>
-                </a:tc>
-                <a:extLst>
-                  <a:ext uri="{0D108BD9-81ED-4DB2-BD59-A6C34878D82A}">
-                    <a16:rowId xmlns:a16="http://schemas.microsoft.com/office/drawing/2014/main" val="2486113306"/>
-                  </a:ext>
-                </a:extLst>
-              </a:tr>
-              <a:tr h="0">
-                <a:tc>
-                  <a:txBody>
-                    <a:bodyPr/>
-                    <a:lstStyle/>
-                    <a:p>
-                      <a:pPr>
-                        <a:spcAft>
-                          <a:spcPts val="0"/>
-                        </a:spcAft>
-                      </a:pPr>
-                      <a:r>
-                        <a:rPr lang="de-DE" sz="1300" dirty="0">
-                          <a:effectLst/>
-                          <a:latin typeface="Trebuchet MS (Textkörper)"/>
-                          <a:ea typeface="Calibri" panose="020F0502020204030204" pitchFamily="34" charset="0"/>
-                          <a:cs typeface="Times New Roman" panose="02020603050405020304" pitchFamily="18" charset="0"/>
-                        </a:rPr>
-                        <a:t>7 </a:t>
-                      </a:r>
-                    </a:p>
-                  </a:txBody>
-                  <a:tcPr marL="68580" marR="68580" marT="0" marB="0"/>
-                </a:tc>
-                <a:tc>
-                  <a:txBody>
-                    <a:bodyPr/>
-                    <a:lstStyle/>
-                    <a:p>
-                      <a:pPr>
-                        <a:spcAft>
-                          <a:spcPts val="0"/>
-                        </a:spcAft>
-                      </a:pPr>
-                      <a:r>
-                        <a:rPr lang="de-DE" sz="1300">
-                          <a:effectLst/>
-                          <a:latin typeface="Trebuchet MS (Textkörper)"/>
-                          <a:ea typeface="Calibri" panose="020F0502020204030204" pitchFamily="34" charset="0"/>
-                          <a:cs typeface="Times New Roman" panose="02020603050405020304" pitchFamily="18" charset="0"/>
-                        </a:rPr>
-                        <a:t>Gravitation Teilobjekte </a:t>
-                      </a:r>
-                    </a:p>
-                  </a:txBody>
-                  <a:tcPr marL="68580" marR="68580" marT="0" marB="0"/>
-                </a:tc>
-                <a:tc>
-                  <a:txBody>
-                    <a:bodyPr/>
-                    <a:lstStyle/>
-                    <a:p>
-                      <a:pPr>
-                        <a:spcAft>
-                          <a:spcPts val="0"/>
-                        </a:spcAft>
-                      </a:pPr>
-                      <a:r>
-                        <a:rPr lang="de-DE" sz="1300">
-                          <a:effectLst/>
-                          <a:latin typeface="Trebuchet MS (Textkörper)"/>
-                          <a:ea typeface="Calibri" panose="020F0502020204030204" pitchFamily="34" charset="0"/>
-                          <a:cs typeface="Times New Roman" panose="02020603050405020304" pitchFamily="18" charset="0"/>
-                        </a:rPr>
-                        <a:t>Alex D.</a:t>
-                      </a:r>
-                    </a:p>
-                  </a:txBody>
-                  <a:tcPr marL="68580" marR="68580" marT="0" marB="0"/>
-                </a:tc>
-                <a:extLst>
-                  <a:ext uri="{0D108BD9-81ED-4DB2-BD59-A6C34878D82A}">
-                    <a16:rowId xmlns:a16="http://schemas.microsoft.com/office/drawing/2014/main" val="1289091974"/>
-                  </a:ext>
-                </a:extLst>
-              </a:tr>
-              <a:tr h="0">
-                <a:tc>
-                  <a:txBody>
-                    <a:bodyPr/>
-                    <a:lstStyle/>
-                    <a:p>
-                      <a:pPr>
-                        <a:spcAft>
-                          <a:spcPts val="0"/>
-                        </a:spcAft>
-                      </a:pPr>
-                      <a:r>
-                        <a:rPr lang="de-DE" sz="1300" dirty="0">
-                          <a:effectLst/>
-                          <a:latin typeface="Trebuchet MS (Textkörper)"/>
-                          <a:ea typeface="Calibri" panose="020F0502020204030204" pitchFamily="34" charset="0"/>
-                          <a:cs typeface="Times New Roman" panose="02020603050405020304" pitchFamily="18" charset="0"/>
-                        </a:rPr>
-                        <a:t>8 </a:t>
-                      </a:r>
-                    </a:p>
-                  </a:txBody>
-                  <a:tcPr marL="68580" marR="68580" marT="0" marB="0"/>
-                </a:tc>
-                <a:tc>
-                  <a:txBody>
-                    <a:bodyPr/>
-                    <a:lstStyle/>
-                    <a:p>
-                      <a:pPr>
-                        <a:spcAft>
-                          <a:spcPts val="0"/>
-                        </a:spcAft>
-                      </a:pPr>
-                      <a:r>
-                        <a:rPr lang="de-DE" sz="1300">
-                          <a:effectLst/>
-                          <a:latin typeface="Trebuchet MS (Textkörper)"/>
-                          <a:ea typeface="Calibri" panose="020F0502020204030204" pitchFamily="34" charset="0"/>
-                          <a:cs typeface="Times New Roman" panose="02020603050405020304" pitchFamily="18" charset="0"/>
-                        </a:rPr>
-                        <a:t>Collider-Script für Teilobjekte </a:t>
-                      </a:r>
-                    </a:p>
-                  </a:txBody>
-                  <a:tcPr marL="68580" marR="68580" marT="0" marB="0"/>
-                </a:tc>
-                <a:tc>
-                  <a:txBody>
-                    <a:bodyPr/>
-                    <a:lstStyle/>
-                    <a:p>
-                      <a:pPr>
-                        <a:spcAft>
-                          <a:spcPts val="0"/>
-                        </a:spcAft>
-                      </a:pPr>
-                      <a:r>
-                        <a:rPr lang="de-DE" sz="1300">
-                          <a:effectLst/>
-                          <a:latin typeface="Trebuchet MS (Textkörper)"/>
-                          <a:ea typeface="Calibri" panose="020F0502020204030204" pitchFamily="34" charset="0"/>
-                          <a:cs typeface="Times New Roman" panose="02020603050405020304" pitchFamily="18" charset="0"/>
-                        </a:rPr>
-                        <a:t>Alex K.</a:t>
-                      </a:r>
-                    </a:p>
-                  </a:txBody>
-                  <a:tcPr marL="68580" marR="68580" marT="0" marB="0"/>
-                </a:tc>
-                <a:extLst>
-                  <a:ext uri="{0D108BD9-81ED-4DB2-BD59-A6C34878D82A}">
-                    <a16:rowId xmlns:a16="http://schemas.microsoft.com/office/drawing/2014/main" val="2724961653"/>
-                  </a:ext>
-                </a:extLst>
-              </a:tr>
-              <a:tr h="0">
-                <a:tc>
-                  <a:txBody>
-                    <a:bodyPr/>
-                    <a:lstStyle/>
-                    <a:p>
-                      <a:pPr>
-                        <a:spcAft>
-                          <a:spcPts val="0"/>
-                        </a:spcAft>
-                      </a:pPr>
-                      <a:r>
-                        <a:rPr lang="de-DE" sz="1300" dirty="0">
-                          <a:effectLst/>
-                          <a:latin typeface="Trebuchet MS (Textkörper)"/>
-                          <a:ea typeface="Calibri" panose="020F0502020204030204" pitchFamily="34" charset="0"/>
-                          <a:cs typeface="Times New Roman" panose="02020603050405020304" pitchFamily="18" charset="0"/>
-                        </a:rPr>
-                        <a:t>9 </a:t>
-                      </a:r>
-                    </a:p>
-                  </a:txBody>
-                  <a:tcPr marL="68580" marR="68580" marT="0" marB="0"/>
-                </a:tc>
-                <a:tc>
-                  <a:txBody>
-                    <a:bodyPr/>
-                    <a:lstStyle/>
-                    <a:p>
-                      <a:pPr>
-                        <a:spcAft>
-                          <a:spcPts val="0"/>
-                        </a:spcAft>
-                      </a:pPr>
-                      <a:r>
-                        <a:rPr lang="de-DE" sz="1300">
-                          <a:effectLst/>
-                          <a:latin typeface="Trebuchet MS (Textkörper)"/>
-                          <a:ea typeface="Calibri" panose="020F0502020204030204" pitchFamily="34" charset="0"/>
-                          <a:cs typeface="Times New Roman" panose="02020603050405020304" pitchFamily="18" charset="0"/>
-                        </a:rPr>
-                        <a:t>3D-Steuerung/Cam </a:t>
-                      </a:r>
-                    </a:p>
-                  </a:txBody>
-                  <a:tcPr marL="68580" marR="68580" marT="0" marB="0"/>
-                </a:tc>
-                <a:tc>
-                  <a:txBody>
-                    <a:bodyPr/>
-                    <a:lstStyle/>
-                    <a:p>
-                      <a:pPr>
-                        <a:spcAft>
-                          <a:spcPts val="0"/>
-                        </a:spcAft>
-                      </a:pPr>
-                      <a:r>
-                        <a:rPr lang="de-DE" sz="1300">
-                          <a:effectLst/>
-                          <a:latin typeface="Trebuchet MS (Textkörper)"/>
-                          <a:ea typeface="Calibri" panose="020F0502020204030204" pitchFamily="34" charset="0"/>
-                          <a:cs typeface="Times New Roman" panose="02020603050405020304" pitchFamily="18" charset="0"/>
-                        </a:rPr>
-                        <a:t>Alex D.</a:t>
-                      </a:r>
-                    </a:p>
-                  </a:txBody>
-                  <a:tcPr marL="68580" marR="68580" marT="0" marB="0"/>
-                </a:tc>
-                <a:extLst>
-                  <a:ext uri="{0D108BD9-81ED-4DB2-BD59-A6C34878D82A}">
-                    <a16:rowId xmlns:a16="http://schemas.microsoft.com/office/drawing/2014/main" val="4174866671"/>
-                  </a:ext>
-                </a:extLst>
-              </a:tr>
-              <a:tr h="0">
-                <a:tc>
-                  <a:txBody>
-                    <a:bodyPr/>
-                    <a:lstStyle/>
-                    <a:p>
-                      <a:pPr>
-                        <a:spcAft>
-                          <a:spcPts val="0"/>
-                        </a:spcAft>
-                      </a:pPr>
-                      <a:r>
-                        <a:rPr lang="de-DE" sz="1300" dirty="0">
-                          <a:effectLst/>
-                          <a:latin typeface="Trebuchet MS (Textkörper)"/>
-                          <a:ea typeface="Calibri" panose="020F0502020204030204" pitchFamily="34" charset="0"/>
-                          <a:cs typeface="Times New Roman" panose="02020603050405020304" pitchFamily="18" charset="0"/>
-                        </a:rPr>
-                        <a:t>10 </a:t>
-                      </a:r>
-                    </a:p>
-                  </a:txBody>
-                  <a:tcPr marL="68580" marR="68580" marT="0" marB="0"/>
-                </a:tc>
-                <a:tc>
-                  <a:txBody>
-                    <a:bodyPr/>
-                    <a:lstStyle/>
-                    <a:p>
-                      <a:pPr>
-                        <a:spcAft>
-                          <a:spcPts val="0"/>
-                        </a:spcAft>
-                      </a:pPr>
-                      <a:r>
-                        <a:rPr lang="de-DE" sz="1300">
-                          <a:effectLst/>
-                          <a:latin typeface="Trebuchet MS (Textkörper)"/>
-                          <a:ea typeface="Calibri" panose="020F0502020204030204" pitchFamily="34" charset="0"/>
-                          <a:cs typeface="Times New Roman" panose="02020603050405020304" pitchFamily="18" charset="0"/>
-                        </a:rPr>
-                        <a:t>Laden, Speichern, Löschen-Script </a:t>
-                      </a:r>
-                    </a:p>
-                  </a:txBody>
-                  <a:tcPr marL="68580" marR="68580" marT="0" marB="0"/>
-                </a:tc>
-                <a:tc>
-                  <a:txBody>
-                    <a:bodyPr/>
-                    <a:lstStyle/>
-                    <a:p>
-                      <a:pPr>
-                        <a:spcAft>
-                          <a:spcPts val="0"/>
-                        </a:spcAft>
-                      </a:pPr>
-                      <a:r>
-                        <a:rPr lang="de-DE" sz="1300">
-                          <a:effectLst/>
-                          <a:latin typeface="Trebuchet MS (Textkörper)"/>
-                          <a:ea typeface="Calibri" panose="020F0502020204030204" pitchFamily="34" charset="0"/>
-                          <a:cs typeface="Times New Roman" panose="02020603050405020304" pitchFamily="18" charset="0"/>
-                        </a:rPr>
-                        <a:t>Alex K.</a:t>
-                      </a:r>
-                    </a:p>
-                  </a:txBody>
-                  <a:tcPr marL="68580" marR="68580" marT="0" marB="0"/>
-                </a:tc>
-                <a:extLst>
-                  <a:ext uri="{0D108BD9-81ED-4DB2-BD59-A6C34878D82A}">
-                    <a16:rowId xmlns:a16="http://schemas.microsoft.com/office/drawing/2014/main" val="298910963"/>
-                  </a:ext>
-                </a:extLst>
-              </a:tr>
-              <a:tr h="0">
-                <a:tc>
-                  <a:txBody>
-                    <a:bodyPr/>
-                    <a:lstStyle/>
-                    <a:p>
-                      <a:pPr>
-                        <a:spcAft>
-                          <a:spcPts val="0"/>
-                        </a:spcAft>
-                      </a:pPr>
-                      <a:r>
-                        <a:rPr lang="de-DE" sz="1300" dirty="0">
-                          <a:effectLst/>
-                          <a:latin typeface="Trebuchet MS (Textkörper)"/>
-                          <a:ea typeface="Calibri" panose="020F0502020204030204" pitchFamily="34" charset="0"/>
-                          <a:cs typeface="Times New Roman" panose="02020603050405020304" pitchFamily="18" charset="0"/>
-                        </a:rPr>
-                        <a:t>11 </a:t>
-                      </a:r>
-                    </a:p>
-                  </a:txBody>
-                  <a:tcPr marL="68580" marR="68580" marT="0" marB="0"/>
-                </a:tc>
-                <a:tc>
-                  <a:txBody>
-                    <a:bodyPr/>
-                    <a:lstStyle/>
-                    <a:p>
-                      <a:pPr>
-                        <a:spcAft>
-                          <a:spcPts val="0"/>
-                        </a:spcAft>
-                      </a:pPr>
-                      <a:r>
-                        <a:rPr lang="de-DE" sz="1300">
-                          <a:effectLst/>
-                          <a:latin typeface="Trebuchet MS (Textkörper)"/>
-                          <a:ea typeface="Calibri" panose="020F0502020204030204" pitchFamily="34" charset="0"/>
-                          <a:cs typeface="Times New Roman" panose="02020603050405020304" pitchFamily="18" charset="0"/>
-                        </a:rPr>
-                        <a:t>Laden,Speichern, Löschen-Auswahl </a:t>
-                      </a:r>
+                      <a:endParaRPr lang="de-DE" sz="1300">
+                        <a:effectLst/>
+                        <a:latin typeface="Calibri" panose="020F0502020204030204" pitchFamily="34" charset="0"/>
+                        <a:ea typeface="Calibri" panose="020F0502020204030204" pitchFamily="34" charset="0"/>
+                        <a:cs typeface="Times New Roman" panose="02020603050405020304" pitchFamily="18" charset="0"/>
+                      </a:endParaRPr>
                     </a:p>
                   </a:txBody>
                   <a:tcPr marL="68580" marR="68580" marT="0" marB="0"/>
@@ -7903,19 +7676,22 @@
                       <a:r>
                         <a:rPr lang="de-DE" sz="1300" dirty="0">
                           <a:effectLst/>
-                          <a:latin typeface="Trebuchet MS (Textkörper)"/>
-                          <a:ea typeface="Calibri" panose="020F0502020204030204" pitchFamily="34" charset="0"/>
-                          <a:cs typeface="Times New Roman" panose="02020603050405020304" pitchFamily="18" charset="0"/>
                         </a:rPr>
-                        <a:t>Alex D.</a:t>
+                        <a:t>Klausuren</a:t>
                       </a:r>
+                      <a:endParaRPr lang="de-DE" sz="1300" dirty="0">
+                        <a:effectLst/>
+                        <a:latin typeface="Calibri" panose="020F0502020204030204" pitchFamily="34" charset="0"/>
+                        <a:ea typeface="Calibri" panose="020F0502020204030204" pitchFamily="34" charset="0"/>
+                        <a:cs typeface="Times New Roman" panose="02020603050405020304" pitchFamily="18" charset="0"/>
+                      </a:endParaRPr>
                     </a:p>
                   </a:txBody>
                   <a:tcPr marL="68580" marR="68580" marT="0" marB="0"/>
                 </a:tc>
                 <a:extLst>
                   <a:ext uri="{0D108BD9-81ED-4DB2-BD59-A6C34878D82A}">
-                    <a16:rowId xmlns:a16="http://schemas.microsoft.com/office/drawing/2014/main" val="3590812496"/>
+                    <a16:rowId xmlns:a16="http://schemas.microsoft.com/office/drawing/2014/main" val="2832715332"/>
                   </a:ext>
                 </a:extLst>
               </a:tr>
@@ -7931,14 +7707,82 @@
                         </a:spcAft>
                       </a:pPr>
                       <a:r>
+                        <a:rPr lang="de-DE" sz="1300">
+                          <a:effectLst/>
+                        </a:rPr>
+                        <a:t>30.07.2018 – 05.08.2018</a:t>
+                      </a:r>
+                      <a:endParaRPr lang="de-DE" sz="1300">
+                        <a:effectLst/>
+                        <a:latin typeface="Calibri" panose="020F0502020204030204" pitchFamily="34" charset="0"/>
+                        <a:ea typeface="Calibri" panose="020F0502020204030204" pitchFamily="34" charset="0"/>
+                        <a:cs typeface="Times New Roman" panose="02020603050405020304" pitchFamily="18" charset="0"/>
+                      </a:endParaRPr>
+                    </a:p>
+                  </a:txBody>
+                  <a:tcPr marL="68580" marR="68580" marT="0" marB="0"/>
+                </a:tc>
+                <a:tc>
+                  <a:txBody>
+                    <a:bodyPr/>
+                    <a:lstStyle/>
+                    <a:p>
+                      <a:pPr algn="ctr">
+                        <a:spcAft>
+                          <a:spcPts val="0"/>
+                        </a:spcAft>
+                      </a:pPr>
+                      <a:r>
                         <a:rPr lang="de-DE" sz="1300" dirty="0">
                           <a:effectLst/>
-                          <a:latin typeface="Trebuchet MS (Textkörper)"/>
-                          <a:ea typeface="Calibri" panose="020F0502020204030204" pitchFamily="34" charset="0"/>
-                          <a:cs typeface="Times New Roman" panose="02020603050405020304" pitchFamily="18" charset="0"/>
                         </a:rPr>
-                        <a:t>12 </a:t>
+                        <a:t> 1</a:t>
                       </a:r>
+                      <a:endParaRPr lang="de-DE" sz="1300" dirty="0">
+                        <a:effectLst/>
+                        <a:latin typeface="Calibri" panose="020F0502020204030204" pitchFamily="34" charset="0"/>
+                        <a:ea typeface="Calibri" panose="020F0502020204030204" pitchFamily="34" charset="0"/>
+                        <a:cs typeface="Times New Roman" panose="02020603050405020304" pitchFamily="18" charset="0"/>
+                      </a:endParaRPr>
+                    </a:p>
+                  </a:txBody>
+                  <a:tcPr marL="68580" marR="68580" marT="0" marB="0" anchor="ctr"/>
+                </a:tc>
+                <a:tc>
+                  <a:txBody>
+                    <a:bodyPr/>
+                    <a:lstStyle/>
+                    <a:p>
+                      <a:pPr>
+                        <a:spcAft>
+                          <a:spcPts val="0"/>
+                        </a:spcAft>
+                      </a:pPr>
+                      <a:r>
+                        <a:rPr lang="de-DE" sz="1300">
+                          <a:effectLst/>
+                        </a:rPr>
+                        <a:t>Gravitation Teilobjekte </a:t>
+                      </a:r>
+                    </a:p>
+                    <a:p>
+                      <a:pPr>
+                        <a:spcAft>
+                          <a:spcPts val="0"/>
+                        </a:spcAft>
+                      </a:pPr>
+                      <a:r>
+                        <a:rPr lang="de-DE" sz="1300">
+                          <a:effectLst/>
+                        </a:rPr>
+                        <a:t>Collider-Skript für Teilobjekte</a:t>
+                      </a:r>
+                      <a:endParaRPr lang="de-DE" sz="1300">
+                        <a:effectLst/>
+                        <a:latin typeface="Calibri" panose="020F0502020204030204" pitchFamily="34" charset="0"/>
+                        <a:ea typeface="Calibri" panose="020F0502020204030204" pitchFamily="34" charset="0"/>
+                        <a:cs typeface="Times New Roman" panose="02020603050405020304" pitchFamily="18" charset="0"/>
+                      </a:endParaRPr>
                     </a:p>
                   </a:txBody>
                   <a:tcPr marL="68580" marR="68580" marT="0" marB="0"/>
@@ -7956,12 +7800,139 @@
                       <a:r>
                         <a:rPr lang="de-DE" sz="1300" dirty="0">
                           <a:effectLst/>
-                          <a:latin typeface="Trebuchet MS (Textkörper)"/>
-                          <a:ea typeface="Calibri" panose="020F0502020204030204" pitchFamily="34" charset="0"/>
-                          <a:cs typeface="Times New Roman" panose="02020603050405020304" pitchFamily="18" charset="0"/>
                         </a:rPr>
-                        <a:t>Wachstum-Button + Animation Gießkanne </a:t>
+                        <a:t>Menü-Elemente</a:t>
                       </a:r>
+                    </a:p>
+                    <a:p>
+                      <a:pPr>
+                        <a:spcAft>
+                          <a:spcPts val="0"/>
+                        </a:spcAft>
+                      </a:pPr>
+                      <a:r>
+                        <a:rPr lang="de-DE" sz="1300" dirty="0">
+                          <a:effectLst/>
+                        </a:rPr>
+                        <a:t>Wachstum-Button</a:t>
+                      </a:r>
+                    </a:p>
+                    <a:p>
+                      <a:pPr>
+                        <a:spcAft>
+                          <a:spcPts val="0"/>
+                        </a:spcAft>
+                      </a:pPr>
+                      <a:r>
+                        <a:rPr lang="de-DE" sz="1300" dirty="0">
+                          <a:effectLst/>
+                        </a:rPr>
+                        <a:t>Animation Gießkanne</a:t>
+                      </a:r>
+                      <a:endParaRPr lang="de-DE" sz="1300" dirty="0">
+                        <a:effectLst/>
+                        <a:latin typeface="Calibri" panose="020F0502020204030204" pitchFamily="34" charset="0"/>
+                        <a:ea typeface="Calibri" panose="020F0502020204030204" pitchFamily="34" charset="0"/>
+                        <a:cs typeface="Times New Roman" panose="02020603050405020304" pitchFamily="18" charset="0"/>
+                      </a:endParaRPr>
+                    </a:p>
+                  </a:txBody>
+                  <a:tcPr marL="68580" marR="68580" marT="0" marB="0"/>
+                </a:tc>
+                <a:extLst>
+                  <a:ext uri="{0D108BD9-81ED-4DB2-BD59-A6C34878D82A}">
+                    <a16:rowId xmlns:a16="http://schemas.microsoft.com/office/drawing/2014/main" val="3665301823"/>
+                  </a:ext>
+                </a:extLst>
+              </a:tr>
+              <a:tr h="0">
+                <a:tc>
+                  <a:txBody>
+                    <a:bodyPr/>
+                    <a:lstStyle/>
+                    <a:p>
+                      <a:pPr>
+                        <a:spcAft>
+                          <a:spcPts val="0"/>
+                        </a:spcAft>
+                      </a:pPr>
+                      <a:r>
+                        <a:rPr lang="de-DE" sz="1300">
+                          <a:effectLst/>
+                        </a:rPr>
+                        <a:t>06.08.2018 – 12.08.2018</a:t>
+                      </a:r>
+                      <a:endParaRPr lang="de-DE" sz="1300">
+                        <a:effectLst/>
+                        <a:latin typeface="Calibri" panose="020F0502020204030204" pitchFamily="34" charset="0"/>
+                        <a:ea typeface="Calibri" panose="020F0502020204030204" pitchFamily="34" charset="0"/>
+                        <a:cs typeface="Times New Roman" panose="02020603050405020304" pitchFamily="18" charset="0"/>
+                      </a:endParaRPr>
+                    </a:p>
+                  </a:txBody>
+                  <a:tcPr marL="68580" marR="68580" marT="0" marB="0"/>
+                </a:tc>
+                <a:tc>
+                  <a:txBody>
+                    <a:bodyPr/>
+                    <a:lstStyle/>
+                    <a:p>
+                      <a:pPr algn="ctr">
+                        <a:spcAft>
+                          <a:spcPts val="0"/>
+                        </a:spcAft>
+                      </a:pPr>
+                      <a:r>
+                        <a:rPr lang="de-DE" sz="1300" dirty="0">
+                          <a:effectLst/>
+                        </a:rPr>
+                        <a:t> 1</a:t>
+                      </a:r>
+                      <a:endParaRPr lang="de-DE" sz="1300" dirty="0">
+                        <a:effectLst/>
+                        <a:latin typeface="Calibri" panose="020F0502020204030204" pitchFamily="34" charset="0"/>
+                        <a:ea typeface="Calibri" panose="020F0502020204030204" pitchFamily="34" charset="0"/>
+                        <a:cs typeface="Times New Roman" panose="02020603050405020304" pitchFamily="18" charset="0"/>
+                      </a:endParaRPr>
+                    </a:p>
+                  </a:txBody>
+                  <a:tcPr marL="68580" marR="68580" marT="0" marB="0" anchor="ctr"/>
+                </a:tc>
+                <a:tc>
+                  <a:txBody>
+                    <a:bodyPr/>
+                    <a:lstStyle/>
+                    <a:p>
+                      <a:pPr>
+                        <a:spcAft>
+                          <a:spcPts val="0"/>
+                        </a:spcAft>
+                      </a:pPr>
+                      <a:r>
+                        <a:rPr lang="de-DE" sz="1300">
+                          <a:effectLst/>
+                        </a:rPr>
+                        <a:t>Laden, Speichern, Löschen-Auswahl</a:t>
+                      </a:r>
+                    </a:p>
+                    <a:p>
+                      <a:pPr>
+                        <a:spcAft>
+                          <a:spcPts val="0"/>
+                        </a:spcAft>
+                      </a:pPr>
+                      <a:r>
+                        <a:rPr lang="de-DE" sz="1300">
+                          <a:effectLst/>
+                        </a:rPr>
+                        <a:t>Laden, Speichern, Löschen-Skript</a:t>
+                      </a:r>
+                      <a:endParaRPr lang="de-DE" sz="1300">
+                        <a:effectLst/>
+                        <a:latin typeface="Calibri" panose="020F0502020204030204" pitchFamily="34" charset="0"/>
+                        <a:ea typeface="Calibri" panose="020F0502020204030204" pitchFamily="34" charset="0"/>
+                        <a:cs typeface="Times New Roman" panose="02020603050405020304" pitchFamily="18" charset="0"/>
+                      </a:endParaRPr>
                     </a:p>
                   </a:txBody>
                   <a:tcPr marL="68580" marR="68580" marT="0" marB="0"/>
@@ -7979,11 +7950,8 @@
                       <a:r>
                         <a:rPr lang="de-DE" sz="1300" dirty="0">
                           <a:effectLst/>
-                          <a:latin typeface="Trebuchet MS (Textkörper)"/>
-                          <a:ea typeface="Calibri" panose="020F0502020204030204" pitchFamily="34" charset="0"/>
-                          <a:cs typeface="Times New Roman" panose="02020603050405020304" pitchFamily="18" charset="0"/>
                         </a:rPr>
-                        <a:t>Alex K.</a:t>
+                        <a:t>Texturen: Rinde &amp; Blätter</a:t>
                       </a:r>
                     </a:p>
                   </a:txBody>
@@ -7991,7 +7959,7 @@
                 </a:tc>
                 <a:extLst>
                   <a:ext uri="{0D108BD9-81ED-4DB2-BD59-A6C34878D82A}">
-                    <a16:rowId xmlns:a16="http://schemas.microsoft.com/office/drawing/2014/main" val="761501988"/>
+                    <a16:rowId xmlns:a16="http://schemas.microsoft.com/office/drawing/2014/main" val="2459448816"/>
                   </a:ext>
                 </a:extLst>
               </a:tr>
@@ -8009,12 +7977,15 @@
                       <a:r>
                         <a:rPr lang="de-DE" sz="1300">
                           <a:effectLst/>
-                          <a:latin typeface="Trebuchet MS (Textkörper)"/>
-                          <a:ea typeface="Calibri" panose="020F0502020204030204" pitchFamily="34" charset="0"/>
-                          <a:cs typeface="Times New Roman" panose="02020603050405020304" pitchFamily="18" charset="0"/>
                         </a:rPr>
-                        <a:t>13 </a:t>
+                        <a:t>13.08.2018 – 19.08.2018</a:t>
                       </a:r>
+                      <a:endParaRPr lang="de-DE" sz="1300">
+                        <a:effectLst/>
+                        <a:latin typeface="Calibri" panose="020F0502020204030204" pitchFamily="34" charset="0"/>
+                        <a:ea typeface="Calibri" panose="020F0502020204030204" pitchFamily="34" charset="0"/>
+                        <a:cs typeface="Times New Roman" panose="02020603050405020304" pitchFamily="18" charset="0"/>
+                      </a:endParaRPr>
                     </a:p>
                   </a:txBody>
                   <a:tcPr marL="68580" marR="68580" marT="0" marB="0"/>
@@ -8024,23 +7995,26 @@
                     <a:bodyPr/>
                     <a:lstStyle/>
                     <a:p>
-                      <a:pPr>
+                      <a:pPr algn="ctr">
                         <a:spcAft>
                           <a:spcPts val="0"/>
                         </a:spcAft>
                       </a:pPr>
                       <a:r>
-                        <a:rPr lang="de-DE" sz="1300">
+                        <a:rPr lang="de-DE" sz="1300" dirty="0">
                           <a:effectLst/>
-                          <a:latin typeface="Trebuchet MS (Textkörper)"/>
-                          <a:ea typeface="Calibri" panose="020F0502020204030204" pitchFamily="34" charset="0"/>
-                          <a:cs typeface="Times New Roman" panose="02020603050405020304" pitchFamily="18" charset="0"/>
                         </a:rPr>
-                        <a:t>Mesh(Baum) realistisch aufarbeiten </a:t>
+                        <a:t> 2</a:t>
                       </a:r>
+                      <a:endParaRPr lang="de-DE" sz="1300" dirty="0">
+                        <a:effectLst/>
+                        <a:latin typeface="Calibri" panose="020F0502020204030204" pitchFamily="34" charset="0"/>
+                        <a:ea typeface="Calibri" panose="020F0502020204030204" pitchFamily="34" charset="0"/>
+                        <a:cs typeface="Times New Roman" panose="02020603050405020304" pitchFamily="18" charset="0"/>
+                      </a:endParaRPr>
                     </a:p>
                   </a:txBody>
-                  <a:tcPr marL="68580" marR="68580" marT="0" marB="0"/>
+                  <a:tcPr marL="68580" marR="68580" marT="0" marB="0" anchor="ctr"/>
                 </a:tc>
                 <a:tc>
                   <a:txBody>
@@ -8055,19 +8029,89 @@
                       <a:r>
                         <a:rPr lang="de-DE" sz="1300" dirty="0">
                           <a:effectLst/>
-                          <a:latin typeface="Trebuchet MS (Textkörper)"/>
-                          <a:ea typeface="Calibri" panose="020F0502020204030204" pitchFamily="34" charset="0"/>
-                          <a:cs typeface="Times New Roman" panose="02020603050405020304" pitchFamily="18" charset="0"/>
                         </a:rPr>
-                        <a:t>Alex D.</a:t>
+                        <a:t>Raum erstellen, Objekte Anordnen</a:t>
                       </a:r>
+                    </a:p>
+                    <a:p>
+                      <a:pPr marL="0" marR="0" lvl="0" indent="0" algn="l" defTabSz="457200" rtl="0" eaLnBrk="1" fontAlgn="auto" latinLnBrk="0" hangingPunct="1">
+                        <a:lnSpc>
+                          <a:spcPct val="100000"/>
+                        </a:lnSpc>
+                        <a:spcBef>
+                          <a:spcPts val="0"/>
+                        </a:spcBef>
+                        <a:spcAft>
+                          <a:spcPts val="0"/>
+                        </a:spcAft>
+                        <a:buClrTx/>
+                        <a:buSzTx/>
+                        <a:buFontTx/>
+                        <a:buNone/>
+                        <a:tabLst/>
+                        <a:defRPr/>
+                      </a:pPr>
+                      <a:r>
+                        <a:rPr lang="de-DE" sz="1300" dirty="0">
+                          <a:effectLst/>
+                        </a:rPr>
+                        <a:t>Raumobjekte erstellen </a:t>
+                      </a:r>
+                    </a:p>
+                  </a:txBody>
+                  <a:tcPr marL="68580" marR="68580" marT="0" marB="0"/>
+                </a:tc>
+                <a:tc>
+                  <a:txBody>
+                    <a:bodyPr/>
+                    <a:lstStyle/>
+                    <a:p>
+                      <a:pPr marL="0" marR="0" lvl="0" indent="0" algn="l" defTabSz="457200" rtl="0" eaLnBrk="1" fontAlgn="auto" latinLnBrk="0" hangingPunct="1">
+                        <a:lnSpc>
+                          <a:spcPct val="100000"/>
+                        </a:lnSpc>
+                        <a:spcBef>
+                          <a:spcPts val="0"/>
+                        </a:spcBef>
+                        <a:spcAft>
+                          <a:spcPts val="0"/>
+                        </a:spcAft>
+                        <a:buClrTx/>
+                        <a:buSzTx/>
+                        <a:buFontTx/>
+                        <a:buNone/>
+                        <a:tabLst/>
+                        <a:defRPr/>
+                      </a:pPr>
+                      <a:r>
+                        <a:rPr lang="de-DE" sz="1300" dirty="0">
+                          <a:effectLst/>
+                        </a:rPr>
+                        <a:t>Mesh(Baum) realistisch aufarbeiten</a:t>
+                      </a:r>
+                      <a:endParaRPr lang="de-DE" sz="1300" dirty="0">
+                        <a:effectLst/>
+                        <a:latin typeface="Calibri" panose="020F0502020204030204" pitchFamily="34" charset="0"/>
+                        <a:ea typeface="Calibri" panose="020F0502020204030204" pitchFamily="34" charset="0"/>
+                        <a:cs typeface="Times New Roman" panose="02020603050405020304" pitchFamily="18" charset="0"/>
+                      </a:endParaRPr>
+                    </a:p>
+                    <a:p>
+                      <a:pPr>
+                        <a:spcAft>
+                          <a:spcPts val="0"/>
+                        </a:spcAft>
+                      </a:pPr>
+                      <a:endParaRPr lang="de-DE" sz="1300" dirty="0">
+                        <a:effectLst/>
+                      </a:endParaRPr>
                     </a:p>
                   </a:txBody>
                   <a:tcPr marL="68580" marR="68580" marT="0" marB="0"/>
                 </a:tc>
                 <a:extLst>
                   <a:ext uri="{0D108BD9-81ED-4DB2-BD59-A6C34878D82A}">
-                    <a16:rowId xmlns:a16="http://schemas.microsoft.com/office/drawing/2014/main" val="1686045673"/>
+                    <a16:rowId xmlns:a16="http://schemas.microsoft.com/office/drawing/2014/main" val="2951392954"/>
                   </a:ext>
                 </a:extLst>
               </a:tr>
@@ -8085,12 +8129,15 @@
                       <a:r>
                         <a:rPr lang="de-DE" sz="1300">
                           <a:effectLst/>
-                          <a:latin typeface="Trebuchet MS (Textkörper)"/>
-                          <a:ea typeface="Calibri" panose="020F0502020204030204" pitchFamily="34" charset="0"/>
-                          <a:cs typeface="Times New Roman" panose="02020603050405020304" pitchFamily="18" charset="0"/>
                         </a:rPr>
-                        <a:t>14 </a:t>
+                        <a:t>20.08.2018 – 26.08.2018</a:t>
                       </a:r>
+                      <a:endParaRPr lang="de-DE" sz="1300">
+                        <a:effectLst/>
+                        <a:latin typeface="Calibri" panose="020F0502020204030204" pitchFamily="34" charset="0"/>
+                        <a:ea typeface="Calibri" panose="020F0502020204030204" pitchFamily="34" charset="0"/>
+                        <a:cs typeface="Times New Roman" panose="02020603050405020304" pitchFamily="18" charset="0"/>
+                      </a:endParaRPr>
                     </a:p>
                   </a:txBody>
                   <a:tcPr marL="68580" marR="68580" marT="0" marB="0"/>
@@ -8100,50 +8147,97 @@
                     <a:bodyPr/>
                     <a:lstStyle/>
                     <a:p>
-                      <a:pPr>
+                      <a:pPr algn="ctr">
                         <a:spcAft>
                           <a:spcPts val="0"/>
                         </a:spcAft>
                       </a:pPr>
                       <a:r>
-                        <a:rPr lang="de-DE" sz="1300">
+                        <a:rPr lang="de-DE" sz="1300" dirty="0">
                           <a:effectLst/>
-                          <a:latin typeface="Trebuchet MS (Textkörper)"/>
-                          <a:ea typeface="Calibri" panose="020F0502020204030204" pitchFamily="34" charset="0"/>
-                          <a:cs typeface="Times New Roman" panose="02020603050405020304" pitchFamily="18" charset="0"/>
                         </a:rPr>
-                        <a:t>Texturen: Rinde &amp; Blätter </a:t>
+                        <a:t> 3</a:t>
                       </a:r>
+                      <a:endParaRPr lang="de-DE" sz="1300" dirty="0">
+                        <a:effectLst/>
+                        <a:latin typeface="Calibri" panose="020F0502020204030204" pitchFamily="34" charset="0"/>
+                        <a:ea typeface="Calibri" panose="020F0502020204030204" pitchFamily="34" charset="0"/>
+                        <a:cs typeface="Times New Roman" panose="02020603050405020304" pitchFamily="18" charset="0"/>
+                      </a:endParaRPr>
+                    </a:p>
+                  </a:txBody>
+                  <a:tcPr marL="68580" marR="68580" marT="0" marB="0" anchor="ctr"/>
+                </a:tc>
+                <a:tc gridSpan="2">
+                  <a:txBody>
+                    <a:bodyPr/>
+                    <a:lstStyle/>
+                    <a:p>
+                      <a:pPr marL="0" marR="0" lvl="0" indent="0" algn="ctr" defTabSz="457200" rtl="0" eaLnBrk="1" fontAlgn="auto" latinLnBrk="0" hangingPunct="1">
+                        <a:lnSpc>
+                          <a:spcPct val="100000"/>
+                        </a:lnSpc>
+                        <a:spcBef>
+                          <a:spcPts val="0"/>
+                        </a:spcBef>
+                        <a:spcAft>
+                          <a:spcPts val="0"/>
+                        </a:spcAft>
+                        <a:buClrTx/>
+                        <a:buSzTx/>
+                        <a:buFontTx/>
+                        <a:buNone/>
+                        <a:tabLst/>
+                        <a:defRPr/>
+                      </a:pPr>
+                      <a:r>
+                        <a:rPr lang="de-DE" sz="1300" dirty="0" err="1">
+                          <a:effectLst/>
+                        </a:rPr>
+                        <a:t>Eyecandy</a:t>
+                      </a:r>
+                      <a:r>
+                        <a:rPr lang="de-DE" sz="1300" dirty="0">
+                          <a:effectLst/>
+                        </a:rPr>
+                        <a:t> Menü-Elemente </a:t>
+                      </a:r>
+                      <a:endParaRPr lang="de-DE" sz="1300" dirty="0">
+                        <a:effectLst/>
+                        <a:latin typeface="Calibri" panose="020F0502020204030204" pitchFamily="34" charset="0"/>
+                        <a:ea typeface="Calibri" panose="020F0502020204030204" pitchFamily="34" charset="0"/>
+                        <a:cs typeface="Times New Roman" panose="02020603050405020304" pitchFamily="18" charset="0"/>
+                      </a:endParaRPr>
+                    </a:p>
+                    <a:p>
+                      <a:pPr algn="ctr">
+                        <a:spcAft>
+                          <a:spcPts val="0"/>
+                        </a:spcAft>
+                      </a:pPr>
+                      <a:endParaRPr lang="de-DE" sz="1300" dirty="0">
+                        <a:effectLst/>
+                        <a:latin typeface="Calibri" panose="020F0502020204030204" pitchFamily="34" charset="0"/>
+                        <a:ea typeface="Calibri" panose="020F0502020204030204" pitchFamily="34" charset="0"/>
+                        <a:cs typeface="Times New Roman" panose="02020603050405020304" pitchFamily="18" charset="0"/>
+                      </a:endParaRPr>
                     </a:p>
                   </a:txBody>
                   <a:tcPr marL="68580" marR="68580" marT="0" marB="0"/>
                 </a:tc>
-                <a:tc>
+                <a:tc hMerge="1">
                   <a:txBody>
                     <a:bodyPr/>
                     <a:lstStyle/>
                     <a:p>
-                      <a:pPr>
-                        <a:spcAft>
-                          <a:spcPts val="0"/>
-                        </a:spcAft>
-                      </a:pPr>
-                      <a:r>
-                        <a:rPr lang="de-DE" sz="1300">
-                          <a:effectLst/>
-                          <a:latin typeface="Trebuchet MS (Textkörper)"/>
-                          <a:ea typeface="Calibri" panose="020F0502020204030204" pitchFamily="34" charset="0"/>
-                          <a:cs typeface="Times New Roman" panose="02020603050405020304" pitchFamily="18" charset="0"/>
-                        </a:rPr>
-                        <a:t>Alex K.</a:t>
-                      </a:r>
+                      <a:endParaRPr lang="de-DE"/>
                     </a:p>
                   </a:txBody>
-                  <a:tcPr marL="68580" marR="68580" marT="0" marB="0"/>
+                  <a:tcPr/>
                 </a:tc>
                 <a:extLst>
                   <a:ext uri="{0D108BD9-81ED-4DB2-BD59-A6C34878D82A}">
-                    <a16:rowId xmlns:a16="http://schemas.microsoft.com/office/drawing/2014/main" val="1341917993"/>
+                    <a16:rowId xmlns:a16="http://schemas.microsoft.com/office/drawing/2014/main" val="1061297557"/>
                   </a:ext>
                 </a:extLst>
               </a:tr>
@@ -8161,12 +8255,15 @@
                       <a:r>
                         <a:rPr lang="de-DE" sz="1300">
                           <a:effectLst/>
-                          <a:latin typeface="Trebuchet MS (Textkörper)"/>
-                          <a:ea typeface="Calibri" panose="020F0502020204030204" pitchFamily="34" charset="0"/>
-                          <a:cs typeface="Times New Roman" panose="02020603050405020304" pitchFamily="18" charset="0"/>
                         </a:rPr>
-                        <a:t>15 </a:t>
+                        <a:t>27.08.2018 – 02.09.2018</a:t>
                       </a:r>
+                      <a:endParaRPr lang="de-DE" sz="1300">
+                        <a:effectLst/>
+                        <a:latin typeface="Calibri" panose="020F0502020204030204" pitchFamily="34" charset="0"/>
+                        <a:ea typeface="Calibri" panose="020F0502020204030204" pitchFamily="34" charset="0"/>
+                        <a:cs typeface="Times New Roman" panose="02020603050405020304" pitchFamily="18" charset="0"/>
+                      </a:endParaRPr>
                     </a:p>
                   </a:txBody>
                   <a:tcPr marL="68580" marR="68580" marT="0" marB="0"/>
@@ -8176,50 +8273,91 @@
                     <a:bodyPr/>
                     <a:lstStyle/>
                     <a:p>
-                      <a:pPr>
+                      <a:pPr algn="ctr">
                         <a:spcAft>
                           <a:spcPts val="0"/>
                         </a:spcAft>
                       </a:pPr>
                       <a:r>
-                        <a:rPr lang="de-DE" sz="1300">
+                        <a:rPr lang="de-DE" sz="1300" dirty="0">
                           <a:effectLst/>
-                          <a:latin typeface="Trebuchet MS (Textkörper)"/>
-                          <a:ea typeface="Calibri" panose="020F0502020204030204" pitchFamily="34" charset="0"/>
-                          <a:cs typeface="Times New Roman" panose="02020603050405020304" pitchFamily="18" charset="0"/>
                         </a:rPr>
-                        <a:t>Raum erstellen, Objekte Anordnen </a:t>
+                        <a:t> 3</a:t>
                       </a:r>
+                      <a:endParaRPr lang="de-DE" sz="1300" dirty="0">
+                        <a:effectLst/>
+                        <a:latin typeface="Calibri" panose="020F0502020204030204" pitchFamily="34" charset="0"/>
+                        <a:ea typeface="Calibri" panose="020F0502020204030204" pitchFamily="34" charset="0"/>
+                        <a:cs typeface="Times New Roman" panose="02020603050405020304" pitchFamily="18" charset="0"/>
+                      </a:endParaRPr>
+                    </a:p>
+                  </a:txBody>
+                  <a:tcPr marL="68580" marR="68580" marT="0" marB="0" anchor="ctr"/>
+                </a:tc>
+                <a:tc gridSpan="2">
+                  <a:txBody>
+                    <a:bodyPr/>
+                    <a:lstStyle/>
+                    <a:p>
+                      <a:pPr marL="0" marR="0" lvl="0" indent="0" algn="ctr" defTabSz="457200" rtl="0" eaLnBrk="1" fontAlgn="auto" latinLnBrk="0" hangingPunct="1">
+                        <a:lnSpc>
+                          <a:spcPct val="100000"/>
+                        </a:lnSpc>
+                        <a:spcBef>
+                          <a:spcPts val="0"/>
+                        </a:spcBef>
+                        <a:spcAft>
+                          <a:spcPts val="0"/>
+                        </a:spcAft>
+                        <a:buClrTx/>
+                        <a:buSzTx/>
+                        <a:buFontTx/>
+                        <a:buNone/>
+                        <a:tabLst/>
+                        <a:defRPr/>
+                      </a:pPr>
+                      <a:r>
+                        <a:rPr lang="de-DE" sz="1300" dirty="0">
+                          <a:effectLst/>
+                        </a:rPr>
+                        <a:t>Bugfixing</a:t>
+                      </a:r>
+                      <a:endParaRPr lang="de-DE" sz="1300" dirty="0">
+                        <a:effectLst/>
+                        <a:latin typeface="Calibri" panose="020F0502020204030204" pitchFamily="34" charset="0"/>
+                        <a:ea typeface="Calibri" panose="020F0502020204030204" pitchFamily="34" charset="0"/>
+                        <a:cs typeface="Times New Roman" panose="02020603050405020304" pitchFamily="18" charset="0"/>
+                      </a:endParaRPr>
+                    </a:p>
+                    <a:p>
+                      <a:pPr algn="ctr">
+                        <a:spcAft>
+                          <a:spcPts val="0"/>
+                        </a:spcAft>
+                      </a:pPr>
+                      <a:endParaRPr lang="de-DE" sz="1300" dirty="0">
+                        <a:effectLst/>
+                        <a:latin typeface="Calibri" panose="020F0502020204030204" pitchFamily="34" charset="0"/>
+                        <a:ea typeface="Calibri" panose="020F0502020204030204" pitchFamily="34" charset="0"/>
+                        <a:cs typeface="Times New Roman" panose="02020603050405020304" pitchFamily="18" charset="0"/>
+                      </a:endParaRPr>
                     </a:p>
                   </a:txBody>
                   <a:tcPr marL="68580" marR="68580" marT="0" marB="0"/>
                 </a:tc>
-                <a:tc>
+                <a:tc hMerge="1">
                   <a:txBody>
                     <a:bodyPr/>
                     <a:lstStyle/>
                     <a:p>
-                      <a:pPr>
-                        <a:spcAft>
-                          <a:spcPts val="0"/>
-                        </a:spcAft>
-                      </a:pPr>
-                      <a:r>
-                        <a:rPr lang="de-DE" sz="1300">
-                          <a:effectLst/>
-                          <a:latin typeface="Trebuchet MS (Textkörper)"/>
-                          <a:ea typeface="Calibri" panose="020F0502020204030204" pitchFamily="34" charset="0"/>
-                          <a:cs typeface="Times New Roman" panose="02020603050405020304" pitchFamily="18" charset="0"/>
-                        </a:rPr>
-                        <a:t>Alex D.</a:t>
-                      </a:r>
+                      <a:endParaRPr lang="de-DE"/>
                     </a:p>
                   </a:txBody>
-                  <a:tcPr marL="68580" marR="68580" marT="0" marB="0"/>
+                  <a:tcPr/>
                 </a:tc>
                 <a:extLst>
                   <a:ext uri="{0D108BD9-81ED-4DB2-BD59-A6C34878D82A}">
-                    <a16:rowId xmlns:a16="http://schemas.microsoft.com/office/drawing/2014/main" val="1996015622"/>
+                    <a16:rowId xmlns:a16="http://schemas.microsoft.com/office/drawing/2014/main" val="60052745"/>
                   </a:ext>
                 </a:extLst>
               </a:tr>
@@ -8237,12 +8375,15 @@
                       <a:r>
                         <a:rPr lang="de-DE" sz="1300">
                           <a:effectLst/>
-                          <a:latin typeface="Trebuchet MS (Textkörper)"/>
-                          <a:ea typeface="Calibri" panose="020F0502020204030204" pitchFamily="34" charset="0"/>
-                          <a:cs typeface="Times New Roman" panose="02020603050405020304" pitchFamily="18" charset="0"/>
                         </a:rPr>
-                        <a:t>16 </a:t>
+                        <a:t>02.09.2018 – 07.09.2018</a:t>
                       </a:r>
+                      <a:endParaRPr lang="de-DE" sz="1300">
+                        <a:effectLst/>
+                        <a:latin typeface="Calibri" panose="020F0502020204030204" pitchFamily="34" charset="0"/>
+                        <a:ea typeface="Calibri" panose="020F0502020204030204" pitchFamily="34" charset="0"/>
+                        <a:cs typeface="Times New Roman" panose="02020603050405020304" pitchFamily="18" charset="0"/>
+                      </a:endParaRPr>
                     </a:p>
                   </a:txBody>
                   <a:tcPr marL="68580" marR="68580" marT="0" marB="0"/>
@@ -8252,311 +8393,7 @@
                     <a:bodyPr/>
                     <a:lstStyle/>
                     <a:p>
-                      <a:pPr>
-                        <a:spcAft>
-                          <a:spcPts val="0"/>
-                        </a:spcAft>
-                      </a:pPr>
-                      <a:r>
-                        <a:rPr lang="de-DE" sz="1300">
-                          <a:effectLst/>
-                          <a:latin typeface="Trebuchet MS (Textkörper)"/>
-                          <a:ea typeface="Calibri" panose="020F0502020204030204" pitchFamily="34" charset="0"/>
-                          <a:cs typeface="Times New Roman" panose="02020603050405020304" pitchFamily="18" charset="0"/>
-                        </a:rPr>
-                        <a:t>Raumobejkte erstellen </a:t>
-                      </a:r>
-                    </a:p>
-                  </a:txBody>
-                  <a:tcPr marL="68580" marR="68580" marT="0" marB="0"/>
-                </a:tc>
-                <a:tc>
-                  <a:txBody>
-                    <a:bodyPr/>
-                    <a:lstStyle/>
-                    <a:p>
-                      <a:pPr>
-                        <a:spcAft>
-                          <a:spcPts val="0"/>
-                        </a:spcAft>
-                      </a:pPr>
-                      <a:r>
-                        <a:rPr lang="de-DE" sz="1300">
-                          <a:effectLst/>
-                          <a:latin typeface="Trebuchet MS (Textkörper)"/>
-                          <a:ea typeface="Calibri" panose="020F0502020204030204" pitchFamily="34" charset="0"/>
-                          <a:cs typeface="Times New Roman" panose="02020603050405020304" pitchFamily="18" charset="0"/>
-                        </a:rPr>
-                        <a:t>Alex K.</a:t>
-                      </a:r>
-                    </a:p>
-                  </a:txBody>
-                  <a:tcPr marL="68580" marR="68580" marT="0" marB="0"/>
-                </a:tc>
-                <a:extLst>
-                  <a:ext uri="{0D108BD9-81ED-4DB2-BD59-A6C34878D82A}">
-                    <a16:rowId xmlns:a16="http://schemas.microsoft.com/office/drawing/2014/main" val="949923490"/>
-                  </a:ext>
-                </a:extLst>
-              </a:tr>
-              <a:tr h="0">
-                <a:tc>
-                  <a:txBody>
-                    <a:bodyPr/>
-                    <a:lstStyle/>
-                    <a:p>
-                      <a:pPr>
-                        <a:spcAft>
-                          <a:spcPts val="0"/>
-                        </a:spcAft>
-                      </a:pPr>
-                      <a:r>
-                        <a:rPr lang="de-DE" sz="1300">
-                          <a:effectLst/>
-                          <a:latin typeface="Trebuchet MS (Textkörper)"/>
-                          <a:ea typeface="Calibri" panose="020F0502020204030204" pitchFamily="34" charset="0"/>
-                          <a:cs typeface="Times New Roman" panose="02020603050405020304" pitchFamily="18" charset="0"/>
-                        </a:rPr>
-                        <a:t>17 </a:t>
-                      </a:r>
-                    </a:p>
-                  </a:txBody>
-                  <a:tcPr marL="68580" marR="68580" marT="0" marB="0"/>
-                </a:tc>
-                <a:tc>
-                  <a:txBody>
-                    <a:bodyPr/>
-                    <a:lstStyle/>
-                    <a:p>
-                      <a:pPr>
-                        <a:spcAft>
-                          <a:spcPts val="0"/>
-                        </a:spcAft>
-                      </a:pPr>
-                      <a:r>
-                        <a:rPr lang="de-DE" sz="1300">
-                          <a:effectLst/>
-                          <a:latin typeface="Trebuchet MS (Textkörper)"/>
-                          <a:ea typeface="Calibri" panose="020F0502020204030204" pitchFamily="34" charset="0"/>
-                          <a:cs typeface="Times New Roman" panose="02020603050405020304" pitchFamily="18" charset="0"/>
-                        </a:rPr>
-                        <a:t>Eyecandy Menü-Elemente </a:t>
-                      </a:r>
-                    </a:p>
-                  </a:txBody>
-                  <a:tcPr marL="68580" marR="68580" marT="0" marB="0"/>
-                </a:tc>
-                <a:tc>
-                  <a:txBody>
-                    <a:bodyPr/>
-                    <a:lstStyle/>
-                    <a:p>
-                      <a:pPr>
-                        <a:spcAft>
-                          <a:spcPts val="0"/>
-                        </a:spcAft>
-                      </a:pPr>
-                      <a:r>
-                        <a:rPr lang="de-DE" sz="1300">
-                          <a:effectLst/>
-                          <a:latin typeface="Trebuchet MS (Textkörper)"/>
-                          <a:ea typeface="Calibri" panose="020F0502020204030204" pitchFamily="34" charset="0"/>
-                          <a:cs typeface="Times New Roman" panose="02020603050405020304" pitchFamily="18" charset="0"/>
-                        </a:rPr>
-                        <a:t>Alex D.</a:t>
-                      </a:r>
-                    </a:p>
-                  </a:txBody>
-                  <a:tcPr marL="68580" marR="68580" marT="0" marB="0"/>
-                </a:tc>
-                <a:extLst>
-                  <a:ext uri="{0D108BD9-81ED-4DB2-BD59-A6C34878D82A}">
-                    <a16:rowId xmlns:a16="http://schemas.microsoft.com/office/drawing/2014/main" val="3697061447"/>
-                  </a:ext>
-                </a:extLst>
-              </a:tr>
-              <a:tr h="0">
-                <a:tc>
-                  <a:txBody>
-                    <a:bodyPr/>
-                    <a:lstStyle/>
-                    <a:p>
-                      <a:pPr>
-                        <a:spcAft>
-                          <a:spcPts val="0"/>
-                        </a:spcAft>
-                      </a:pPr>
-                      <a:r>
-                        <a:rPr lang="de-DE" sz="1300">
-                          <a:effectLst/>
-                          <a:latin typeface="Trebuchet MS (Textkörper)"/>
-                          <a:ea typeface="Calibri" panose="020F0502020204030204" pitchFamily="34" charset="0"/>
-                          <a:cs typeface="Times New Roman" panose="02020603050405020304" pitchFamily="18" charset="0"/>
-                        </a:rPr>
-                        <a:t>18 </a:t>
-                      </a:r>
-                    </a:p>
-                  </a:txBody>
-                  <a:tcPr marL="68580" marR="68580" marT="0" marB="0"/>
-                </a:tc>
-                <a:tc>
-                  <a:txBody>
-                    <a:bodyPr/>
-                    <a:lstStyle/>
-                    <a:p>
-                      <a:pPr>
-                        <a:spcAft>
-                          <a:spcPts val="0"/>
-                        </a:spcAft>
-                      </a:pPr>
-                      <a:r>
-                        <a:rPr lang="de-DE" sz="1300">
-                          <a:effectLst/>
-                          <a:latin typeface="Trebuchet MS (Textkörper)"/>
-                          <a:ea typeface="Calibri" panose="020F0502020204030204" pitchFamily="34" charset="0"/>
-                          <a:cs typeface="Times New Roman" panose="02020603050405020304" pitchFamily="18" charset="0"/>
-                        </a:rPr>
-                        <a:t>Bugfixing </a:t>
-                      </a:r>
-                    </a:p>
-                  </a:txBody>
-                  <a:tcPr marL="68580" marR="68580" marT="0" marB="0"/>
-                </a:tc>
-                <a:tc>
-                  <a:txBody>
-                    <a:bodyPr/>
-                    <a:lstStyle/>
-                    <a:p>
-                      <a:pPr>
-                        <a:spcAft>
-                          <a:spcPts val="0"/>
-                        </a:spcAft>
-                      </a:pPr>
-                      <a:r>
-                        <a:rPr lang="de-DE" sz="1300">
-                          <a:effectLst/>
-                          <a:latin typeface="Trebuchet MS (Textkörper)"/>
-                          <a:ea typeface="Calibri" panose="020F0502020204030204" pitchFamily="34" charset="0"/>
-                          <a:cs typeface="Times New Roman" panose="02020603050405020304" pitchFamily="18" charset="0"/>
-                        </a:rPr>
-                        <a:t>Alex K.</a:t>
-                      </a:r>
-                    </a:p>
-                  </a:txBody>
-                  <a:tcPr marL="68580" marR="68580" marT="0" marB="0"/>
-                </a:tc>
-                <a:extLst>
-                  <a:ext uri="{0D108BD9-81ED-4DB2-BD59-A6C34878D82A}">
-                    <a16:rowId xmlns:a16="http://schemas.microsoft.com/office/drawing/2014/main" val="1322216440"/>
-                  </a:ext>
-                </a:extLst>
-              </a:tr>
-              <a:tr h="0">
-                <a:tc>
-                  <a:txBody>
-                    <a:bodyPr/>
-                    <a:lstStyle/>
-                    <a:p>
-                      <a:pPr>
-                        <a:spcAft>
-                          <a:spcPts val="0"/>
-                        </a:spcAft>
-                      </a:pPr>
-                      <a:r>
-                        <a:rPr lang="de-DE" sz="1300">
-                          <a:effectLst/>
-                          <a:latin typeface="Trebuchet MS (Textkörper)"/>
-                          <a:ea typeface="Calibri" panose="020F0502020204030204" pitchFamily="34" charset="0"/>
-                          <a:cs typeface="Times New Roman" panose="02020603050405020304" pitchFamily="18" charset="0"/>
-                        </a:rPr>
-                        <a:t>19</a:t>
-                      </a:r>
-                    </a:p>
-                  </a:txBody>
-                  <a:tcPr marL="68580" marR="68580" marT="0" marB="0"/>
-                </a:tc>
-                <a:tc>
-                  <a:txBody>
-                    <a:bodyPr/>
-                    <a:lstStyle/>
-                    <a:p>
-                      <a:pPr>
-                        <a:spcAft>
-                          <a:spcPts val="0"/>
-                        </a:spcAft>
-                      </a:pPr>
-                      <a:r>
-                        <a:rPr lang="de-DE" sz="1300">
-                          <a:effectLst/>
-                          <a:latin typeface="Trebuchet MS (Textkörper)"/>
-                          <a:ea typeface="Calibri" panose="020F0502020204030204" pitchFamily="34" charset="0"/>
-                          <a:cs typeface="Times New Roman" panose="02020603050405020304" pitchFamily="18" charset="0"/>
-                        </a:rPr>
-                        <a:t>Demovideo erstellen </a:t>
-                      </a:r>
-                    </a:p>
-                  </a:txBody>
-                  <a:tcPr marL="68580" marR="68580" marT="0" marB="0"/>
-                </a:tc>
-                <a:tc>
-                  <a:txBody>
-                    <a:bodyPr/>
-                    <a:lstStyle/>
-                    <a:p>
-                      <a:pPr>
-                        <a:spcAft>
-                          <a:spcPts val="0"/>
-                        </a:spcAft>
-                      </a:pPr>
-                      <a:r>
-                        <a:rPr lang="de-DE" sz="1300">
-                          <a:effectLst/>
-                          <a:latin typeface="Trebuchet MS (Textkörper)"/>
-                          <a:ea typeface="Calibri" panose="020F0502020204030204" pitchFamily="34" charset="0"/>
-                          <a:cs typeface="Times New Roman" panose="02020603050405020304" pitchFamily="18" charset="0"/>
-                        </a:rPr>
-                        <a:t>Alex D.</a:t>
-                      </a:r>
-                    </a:p>
-                  </a:txBody>
-                  <a:tcPr marL="68580" marR="68580" marT="0" marB="0"/>
-                </a:tc>
-                <a:extLst>
-                  <a:ext uri="{0D108BD9-81ED-4DB2-BD59-A6C34878D82A}">
-                    <a16:rowId xmlns:a16="http://schemas.microsoft.com/office/drawing/2014/main" val="3046960115"/>
-                  </a:ext>
-                </a:extLst>
-              </a:tr>
-              <a:tr h="0">
-                <a:tc>
-                  <a:txBody>
-                    <a:bodyPr/>
-                    <a:lstStyle/>
-                    <a:p>
-                      <a:pPr>
-                        <a:spcAft>
-                          <a:spcPts val="0"/>
-                        </a:spcAft>
-                      </a:pPr>
-                      <a:r>
-                        <a:rPr lang="de-DE" sz="1300">
-                          <a:effectLst/>
-                          <a:latin typeface="Trebuchet MS (Textkörper)"/>
-                          <a:ea typeface="Calibri" panose="020F0502020204030204" pitchFamily="34" charset="0"/>
-                          <a:cs typeface="Times New Roman" panose="02020603050405020304" pitchFamily="18" charset="0"/>
-                        </a:rPr>
-                        <a:t>20 </a:t>
-                      </a:r>
-                    </a:p>
-                  </a:txBody>
-                  <a:tcPr marL="68580" marR="68580" marT="0" marB="0"/>
-                </a:tc>
-                <a:tc>
-                  <a:txBody>
-                    <a:bodyPr/>
-                    <a:lstStyle/>
-                    <a:p>
-                      <a:pPr>
+                      <a:pPr algn="ctr">
                         <a:spcAft>
                           <a:spcPts val="0"/>
                         </a:spcAft>
@@ -8564,22 +8401,56 @@
                       <a:r>
                         <a:rPr lang="de-DE" sz="1300" dirty="0">
                           <a:effectLst/>
-                          <a:latin typeface="Trebuchet MS (Textkörper)"/>
-                          <a:ea typeface="Calibri" panose="020F0502020204030204" pitchFamily="34" charset="0"/>
-                          <a:cs typeface="Times New Roman" panose="02020603050405020304" pitchFamily="18" charset="0"/>
                         </a:rPr>
-                        <a:t>Finale Präsentation erstellen </a:t>
+                        <a:t> 4</a:t>
                       </a:r>
+                      <a:endParaRPr lang="de-DE" sz="1300" dirty="0">
+                        <a:effectLst/>
+                        <a:latin typeface="Calibri" panose="020F0502020204030204" pitchFamily="34" charset="0"/>
+                        <a:ea typeface="Calibri" panose="020F0502020204030204" pitchFamily="34" charset="0"/>
+                        <a:cs typeface="Times New Roman" panose="02020603050405020304" pitchFamily="18" charset="0"/>
+                      </a:endParaRPr>
                     </a:p>
                   </a:txBody>
-                  <a:tcPr marL="68580" marR="68580" marT="0" marB="0"/>
+                  <a:tcPr marL="68580" marR="68580" marT="0" marB="0" anchor="ctr"/>
                 </a:tc>
-                <a:tc>
+                <a:tc gridSpan="2">
                   <a:txBody>
                     <a:bodyPr/>
                     <a:lstStyle/>
                     <a:p>
-                      <a:pPr>
+                      <a:pPr marL="0" marR="0" lvl="0" indent="0" algn="ctr" defTabSz="457200" rtl="0" eaLnBrk="1" fontAlgn="auto" latinLnBrk="0" hangingPunct="1">
+                        <a:lnSpc>
+                          <a:spcPct val="100000"/>
+                        </a:lnSpc>
+                        <a:spcBef>
+                          <a:spcPts val="0"/>
+                        </a:spcBef>
+                        <a:spcAft>
+                          <a:spcPts val="0"/>
+                        </a:spcAft>
+                        <a:buClrTx/>
+                        <a:buSzTx/>
+                        <a:buFontTx/>
+                        <a:buNone/>
+                        <a:tabLst/>
+                        <a:defRPr/>
+                      </a:pPr>
+                      <a:r>
+                        <a:rPr lang="de-DE" sz="1300" dirty="0">
+                          <a:effectLst/>
+                        </a:rPr>
+                        <a:t>Demovideo erstellen</a:t>
+                      </a:r>
+                      <a:endParaRPr lang="de-DE" sz="1300" dirty="0">
+                        <a:effectLst/>
+                        <a:latin typeface="Calibri" panose="020F0502020204030204" pitchFamily="34" charset="0"/>
+                        <a:ea typeface="Calibri" panose="020F0502020204030204" pitchFamily="34" charset="0"/>
+                        <a:cs typeface="Times New Roman" panose="02020603050405020304" pitchFamily="18" charset="0"/>
+                      </a:endParaRPr>
+                    </a:p>
+                    <a:p>
+                      <a:pPr algn="ctr">
                         <a:spcAft>
                           <a:spcPts val="0"/>
                         </a:spcAft>
@@ -8587,19 +8458,32 @@
                       <a:r>
                         <a:rPr lang="de-DE" sz="1300" dirty="0">
                           <a:effectLst/>
-                          <a:latin typeface="Trebuchet MS (Textkörper)"/>
-                          <a:ea typeface="Calibri" panose="020F0502020204030204" pitchFamily="34" charset="0"/>
-                          <a:cs typeface="Times New Roman" panose="02020603050405020304" pitchFamily="18" charset="0"/>
                         </a:rPr>
-                        <a:t>Alex K</a:t>
+                        <a:t>Finale Präsentation erstellen</a:t>
                       </a:r>
+                      <a:endParaRPr lang="de-DE" sz="1300" dirty="0">
+                        <a:effectLst/>
+                        <a:latin typeface="Calibri" panose="020F0502020204030204" pitchFamily="34" charset="0"/>
+                        <a:ea typeface="Calibri" panose="020F0502020204030204" pitchFamily="34" charset="0"/>
+                        <a:cs typeface="Times New Roman" panose="02020603050405020304" pitchFamily="18" charset="0"/>
+                      </a:endParaRPr>
                     </a:p>
                   </a:txBody>
                   <a:tcPr marL="68580" marR="68580" marT="0" marB="0"/>
                 </a:tc>
+                <a:tc hMerge="1">
+                  <a:txBody>
+                    <a:bodyPr/>
+                    <a:lstStyle/>
+                    <a:p>
+                      <a:endParaRPr lang="de-DE"/>
+                    </a:p>
+                  </a:txBody>
+                  <a:tcPr/>
+                </a:tc>
                 <a:extLst>
                   <a:ext uri="{0D108BD9-81ED-4DB2-BD59-A6C34878D82A}">
-                    <a16:rowId xmlns:a16="http://schemas.microsoft.com/office/drawing/2014/main" val="3302476885"/>
+                    <a16:rowId xmlns:a16="http://schemas.microsoft.com/office/drawing/2014/main" val="3273926314"/>
                   </a:ext>
                 </a:extLst>
               </a:tr>
@@ -8859,7 +8743,22 @@
           <a:p>
             <a:r>
               <a:rPr lang="de-DE" sz="2600" dirty="0"/>
-              <a:t>Collider/Mesh-Limit wird zu schnell erreicht </a:t>
+              <a:t>Collider/Mesh-Limit wird zu schnell erreicht</a:t>
+            </a:r>
+          </a:p>
+          <a:p>
+            <a:pPr lvl="1"/>
+            <a:r>
+              <a:rPr lang="de-DE" sz="2400" dirty="0"/>
+              <a:t> </a:t>
+            </a:r>
+            <a:r>
+              <a:rPr lang="de-DE" sz="2400" dirty="0" err="1"/>
+              <a:t>Prefab</a:t>
+            </a:r>
+            <a:r>
+              <a:rPr lang="de-DE" sz="2400" dirty="0"/>
+              <a:t>-Objekte einführen</a:t>
             </a:r>
           </a:p>
           <a:p>
@@ -8873,9 +8772,23 @@
             </a:r>
           </a:p>
           <a:p>
+            <a:pPr lvl="1"/>
+            <a:r>
+              <a:rPr lang="de-DE" sz="2400" dirty="0"/>
+              <a:t>Projekt auf einfachere Inhalte reduzieren</a:t>
+            </a:r>
+          </a:p>
+          <a:p>
             <a:r>
               <a:rPr lang="de-DE" sz="2600" dirty="0"/>
               <a:t>Einhalten der Fristen, Meilensteine</a:t>
+            </a:r>
+          </a:p>
+          <a:p>
+            <a:pPr lvl="1"/>
+            <a:r>
+              <a:rPr lang="de-DE" sz="2400" dirty="0"/>
+              <a:t>Nacharbeitung/Priorisierung von Grundfunktionen</a:t>
             </a:r>
           </a:p>
         </p:txBody>
@@ -11633,20 +11546,6 @@
               <a:rPr lang="de-DE" sz="2600" dirty="0" err="1"/>
               <a:t>Arpeitspakete</a:t>
             </a:r>
-            <a:endParaRPr lang="de-DE" sz="2600" dirty="0"/>
-          </a:p>
-          <a:p>
-            <a:r>
-              <a:rPr lang="de-DE" sz="2600" dirty="0"/>
-              <a:t>Wöchentliche Fristen für </a:t>
-            </a:r>
-            <a:r>
-              <a:rPr lang="de-DE" sz="2600" dirty="0" err="1"/>
-              <a:t>Arpeitspakete</a:t>
-            </a:r>
-            <a:endParaRPr lang="de-DE" sz="2600" dirty="0"/>
-          </a:p>
-          <a:p>
             <a:endParaRPr lang="de-DE" dirty="0"/>
           </a:p>
         </p:txBody>
